--- a/aco-shioya-00.pptx
+++ b/aco-shioya-00.pptx
@@ -223,7 +223,7 @@
           <a:p>
             <a:fld id="{2ABE53D4-1A7B-4FFE-8A95-4265B045F058}" type="datetimeFigureOut">
               <a:rPr kumimoji="1" lang="ja-JP" altLang="en-US" smtClean="0"/>
-              <a:t>2021/1/17</a:t>
+              <a:t>2021/2/2</a:t>
             </a:fld>
             <a:endParaRPr kumimoji="1" lang="ja-JP" altLang="en-US"/>
           </a:p>
@@ -3201,10 +3201,9 @@
           <a:lstStyle/>
           <a:p>
             <a:r>
-              <a:rPr lang="ja-JP" altLang="en-US" sz="2800" dirty="0"/>
-              <a:t>先進計算機構正論</a:t>
-            </a:r>
-            <a:endParaRPr kumimoji="1" lang="ja-JP" altLang="en-US" sz="2800" dirty="0"/>
+              <a:rPr kumimoji="1" lang="ja-JP" altLang="en-US" sz="2800" dirty="0"/>
+              <a:t>先進計算機構成論</a:t>
+            </a:r>
           </a:p>
         </p:txBody>
       </p:sp>

--- a/aco-shioya-00.pptx
+++ b/aco-shioya-00.pptx
@@ -5,7 +5,7 @@
     <p:sldMasterId id="2147483669" r:id="rId1"/>
   </p:sldMasterIdLst>
   <p:notesMasterIdLst>
-    <p:notesMasterId r:id="rId15"/>
+    <p:notesMasterId r:id="rId17"/>
   </p:notesMasterIdLst>
   <p:sldIdLst>
     <p:sldId id="256" r:id="rId2"/>
@@ -17,10 +17,12 @@
     <p:sldId id="260" r:id="rId8"/>
     <p:sldId id="259" r:id="rId9"/>
     <p:sldId id="269" r:id="rId10"/>
-    <p:sldId id="272" r:id="rId11"/>
-    <p:sldId id="270" r:id="rId12"/>
-    <p:sldId id="273" r:id="rId13"/>
-    <p:sldId id="276" r:id="rId14"/>
+    <p:sldId id="277" r:id="rId11"/>
+    <p:sldId id="272" r:id="rId12"/>
+    <p:sldId id="278" r:id="rId13"/>
+    <p:sldId id="270" r:id="rId14"/>
+    <p:sldId id="273" r:id="rId15"/>
+    <p:sldId id="276" r:id="rId16"/>
   </p:sldIdLst>
   <p:sldSz cx="9144000" cy="6858000" type="screen4x3"/>
   <p:notesSz cx="6858000" cy="9144000"/>
@@ -223,7 +225,7 @@
           <a:p>
             <a:fld id="{2ABE53D4-1A7B-4FFE-8A95-4265B045F058}" type="datetimeFigureOut">
               <a:rPr kumimoji="1" lang="ja-JP" altLang="en-US" smtClean="0"/>
-              <a:t>2021/2/2</a:t>
+              <a:t>2022/4/11</a:t>
             </a:fld>
             <a:endParaRPr kumimoji="1" lang="ja-JP" altLang="en-US"/>
           </a:p>
@@ -3549,7 +3551,13 @@
       </p:grpSpPr>
       <p:sp>
         <p:nvSpPr>
-          <p:cNvPr id="2" name="タイトル 1"/>
+          <p:cNvPr id="2" name="タイトル 1">
+            <a:extLst>
+              <a:ext uri="{FF2B5EF4-FFF2-40B4-BE49-F238E27FC236}">
+                <a16:creationId xmlns:a16="http://schemas.microsoft.com/office/drawing/2014/main" id="{FB7AF890-4203-4515-B43A-FF112214F355}"/>
+              </a:ext>
+            </a:extLst>
+          </p:cNvPr>
           <p:cNvSpPr>
             <a:spLocks noGrp="1"/>
           </p:cNvSpPr>
@@ -3564,518 +3572,72 @@
           <a:p>
             <a:r>
               <a:rPr kumimoji="1" lang="ja-JP" altLang="en-US" dirty="0"/>
-              <a:t>話題は上から下までおよぶことがある</a:t>
+              <a:t>講義資料</a:t>
             </a:r>
           </a:p>
         </p:txBody>
       </p:sp>
       <p:sp>
         <p:nvSpPr>
-          <p:cNvPr id="9" name="角丸四角形 3">
+          <p:cNvPr id="3" name="テキスト プレースホルダー 2">
             <a:extLst>
               <a:ext uri="{FF2B5EF4-FFF2-40B4-BE49-F238E27FC236}">
-                <a16:creationId xmlns:a16="http://schemas.microsoft.com/office/drawing/2014/main" id="{9F09CCBD-BC84-4E0A-9C28-569F89C608EF}"/>
+                <a16:creationId xmlns:a16="http://schemas.microsoft.com/office/drawing/2014/main" id="{9C8A0301-0323-46F3-A505-913FB8B15F71}"/>
               </a:ext>
             </a:extLst>
           </p:cNvPr>
-          <p:cNvSpPr/>
-          <p:nvPr/>
+          <p:cNvSpPr>
+            <a:spLocks noGrp="1"/>
+          </p:cNvSpPr>
+          <p:nvPr>
+            <p:ph type="body" sz="quarter" idx="10"/>
+          </p:nvPr>
         </p:nvSpPr>
-        <p:spPr bwMode="auto">
-          <a:xfrm>
-            <a:off x="1601967" y="2168987"/>
-            <a:ext cx="6120392" cy="1170012"/>
-          </a:xfrm>
-          <a:prstGeom prst="roundRect">
-            <a:avLst/>
-          </a:prstGeom>
-          <a:solidFill>
-            <a:schemeClr val="accent5"/>
-          </a:solidFill>
-          <a:ln>
-            <a:noFill/>
-            <a:headEnd/>
-            <a:tailEnd type="triangle" w="sm" len="med"/>
-          </a:ln>
-          <a:effectLst>
-            <a:softEdge rad="152400"/>
-          </a:effectLst>
-        </p:spPr>
-        <p:style>
-          <a:lnRef idx="2">
-            <a:schemeClr val="dk1"/>
-          </a:lnRef>
-          <a:fillRef idx="1">
-            <a:schemeClr val="lt1"/>
-          </a:fillRef>
-          <a:effectRef idx="0">
-            <a:schemeClr val="dk1"/>
-          </a:effectRef>
-          <a:fontRef idx="minor">
-            <a:schemeClr val="dk1"/>
-          </a:fontRef>
-        </p:style>
+        <p:spPr/>
         <p:txBody>
-          <a:bodyPr rtlCol="0" anchor="ctr"/>
+          <a:bodyPr/>
           <a:lstStyle/>
           <a:p>
-            <a:pPr algn="ctr"/>
-            <a:r>
-              <a:rPr kumimoji="1" lang="ja-JP" altLang="en-US" dirty="0">
-                <a:solidFill>
-                  <a:schemeClr val="bg1"/>
-                </a:solidFill>
+            <a:r>
+              <a:rPr kumimoji="1" lang="ja-JP" altLang="en-US" dirty="0"/>
+              <a:t>下記で公開しています</a:t>
+            </a:r>
+            <a:endParaRPr kumimoji="1" lang="en-US" altLang="ja-JP" dirty="0"/>
+          </a:p>
+          <a:p>
+            <a:pPr lvl="1"/>
+            <a:r>
+              <a:rPr kumimoji="1" lang="en-US" altLang="ja-JP" dirty="0">
+                <a:hlinkClick r:id="rId2"/>
               </a:rPr>
-              <a:t>システム・ソフトウェア</a:t>
-            </a:r>
-            <a:endParaRPr kumimoji="1" lang="en-US" altLang="ja-JP" dirty="0">
-              <a:solidFill>
-                <a:schemeClr val="bg1"/>
-              </a:solidFill>
-            </a:endParaRPr>
-          </a:p>
-          <a:p>
-            <a:pPr algn="ctr"/>
-            <a:r>
-              <a:rPr kumimoji="1" lang="en-US" altLang="ja-JP" dirty="0">
-                <a:solidFill>
-                  <a:schemeClr val="bg1"/>
-                </a:solidFill>
-              </a:rPr>
-              <a:t>OS / </a:t>
-            </a:r>
-            <a:r>
-              <a:rPr kumimoji="1" lang="ja-JP" altLang="en-US" dirty="0">
-                <a:solidFill>
-                  <a:schemeClr val="bg1"/>
-                </a:solidFill>
-              </a:rPr>
-              <a:t>コンパイラ </a:t>
-            </a:r>
-            <a:r>
-              <a:rPr kumimoji="1" lang="en-US" altLang="ja-JP" dirty="0">
-                <a:solidFill>
-                  <a:schemeClr val="bg1"/>
-                </a:solidFill>
-              </a:rPr>
-              <a:t>/ </a:t>
-            </a:r>
-            <a:r>
-              <a:rPr kumimoji="1" lang="ja-JP" altLang="en-US" dirty="0">
-                <a:solidFill>
-                  <a:schemeClr val="bg1"/>
-                </a:solidFill>
-              </a:rPr>
-              <a:t>インタプリタ</a:t>
-            </a:r>
-          </a:p>
-        </p:txBody>
-      </p:sp>
-      <p:sp>
-        <p:nvSpPr>
-          <p:cNvPr id="10" name="角丸四角形 4">
-            <a:extLst>
-              <a:ext uri="{FF2B5EF4-FFF2-40B4-BE49-F238E27FC236}">
-                <a16:creationId xmlns:a16="http://schemas.microsoft.com/office/drawing/2014/main" id="{006B2256-EBE2-4E99-8859-F62305824FBE}"/>
-              </a:ext>
-            </a:extLst>
-          </p:cNvPr>
-          <p:cNvSpPr/>
-          <p:nvPr/>
-        </p:nvSpPr>
-        <p:spPr bwMode="auto">
-          <a:xfrm>
-            <a:off x="1601967" y="3248998"/>
-            <a:ext cx="6120392" cy="1170011"/>
-          </a:xfrm>
-          <a:prstGeom prst="roundRect">
-            <a:avLst/>
-          </a:prstGeom>
-          <a:solidFill>
-            <a:schemeClr val="accent6"/>
-          </a:solidFill>
-          <a:ln>
-            <a:noFill/>
-            <a:headEnd/>
-            <a:tailEnd type="triangle" w="sm" len="med"/>
-          </a:ln>
-          <a:effectLst>
-            <a:softEdge rad="152400"/>
-          </a:effectLst>
-        </p:spPr>
-        <p:style>
-          <a:lnRef idx="2">
-            <a:schemeClr val="dk1"/>
-          </a:lnRef>
-          <a:fillRef idx="1">
-            <a:schemeClr val="lt1"/>
-          </a:fillRef>
-          <a:effectRef idx="0">
-            <a:schemeClr val="dk1"/>
-          </a:effectRef>
-          <a:fontRef idx="minor">
-            <a:schemeClr val="dk1"/>
-          </a:fontRef>
-        </p:style>
-        <p:txBody>
-          <a:bodyPr rtlCol="0" anchor="ctr"/>
-          <a:lstStyle/>
-          <a:p>
-            <a:pPr algn="ctr"/>
-            <a:r>
-              <a:rPr lang="ja-JP" altLang="en-US" sz="3200" b="1" dirty="0">
-                <a:solidFill>
-                  <a:schemeClr val="bg1"/>
-                </a:solidFill>
-              </a:rPr>
-              <a:t>ここ→ </a:t>
-            </a:r>
-            <a:r>
-              <a:rPr lang="ja-JP" altLang="en-US" sz="2400" b="1" dirty="0">
-                <a:solidFill>
-                  <a:schemeClr val="bg1"/>
-                </a:solidFill>
-              </a:rPr>
-              <a:t>コンピュータ</a:t>
-            </a:r>
-            <a:r>
-              <a:rPr kumimoji="1" lang="ja-JP" altLang="en-US" sz="2400" b="1" dirty="0">
-                <a:solidFill>
-                  <a:schemeClr val="bg1"/>
-                </a:solidFill>
-              </a:rPr>
-              <a:t>・アーキテクチャ</a:t>
-            </a:r>
-          </a:p>
-        </p:txBody>
-      </p:sp>
-      <p:sp>
-        <p:nvSpPr>
-          <p:cNvPr id="11" name="角丸四角形 5">
-            <a:extLst>
-              <a:ext uri="{FF2B5EF4-FFF2-40B4-BE49-F238E27FC236}">
-                <a16:creationId xmlns:a16="http://schemas.microsoft.com/office/drawing/2014/main" id="{616E3C1C-0B5D-4404-98DC-B43C3C4A8EF5}"/>
-              </a:ext>
-            </a:extLst>
-          </p:cNvPr>
-          <p:cNvSpPr/>
-          <p:nvPr/>
-        </p:nvSpPr>
-        <p:spPr bwMode="auto">
-          <a:xfrm>
-            <a:off x="1601967" y="1088974"/>
-            <a:ext cx="6120392" cy="1170013"/>
-          </a:xfrm>
-          <a:prstGeom prst="roundRect">
-            <a:avLst/>
-          </a:prstGeom>
-          <a:solidFill>
-            <a:schemeClr val="accent5"/>
-          </a:solidFill>
-          <a:ln>
-            <a:noFill/>
-            <a:headEnd/>
-            <a:tailEnd type="triangle" w="sm" len="med"/>
-          </a:ln>
-          <a:effectLst>
-            <a:softEdge rad="152400"/>
-          </a:effectLst>
-        </p:spPr>
-        <p:style>
-          <a:lnRef idx="2">
-            <a:schemeClr val="dk1"/>
-          </a:lnRef>
-          <a:fillRef idx="1">
-            <a:schemeClr val="lt1"/>
-          </a:fillRef>
-          <a:effectRef idx="0">
-            <a:schemeClr val="dk1"/>
-          </a:effectRef>
-          <a:fontRef idx="minor">
-            <a:schemeClr val="dk1"/>
-          </a:fontRef>
-        </p:style>
-        <p:txBody>
-          <a:bodyPr rtlCol="0" anchor="ctr"/>
-          <a:lstStyle/>
-          <a:p>
-            <a:pPr algn="ctr"/>
-            <a:r>
-              <a:rPr kumimoji="1" lang="ja-JP" altLang="en-US" dirty="0">
-                <a:solidFill>
-                  <a:schemeClr val="bg1"/>
-                </a:solidFill>
-              </a:rPr>
-              <a:t>アプリケーション・ソフトウェア</a:t>
-            </a:r>
-            <a:endParaRPr kumimoji="1" lang="en-US" altLang="ja-JP" dirty="0">
-              <a:solidFill>
-                <a:schemeClr val="bg1"/>
-              </a:solidFill>
-            </a:endParaRPr>
-          </a:p>
-          <a:p>
-            <a:pPr algn="ctr"/>
-            <a:r>
-              <a:rPr lang="ja-JP" altLang="en-US" dirty="0">
-                <a:solidFill>
-                  <a:schemeClr val="bg1"/>
-                </a:solidFill>
-              </a:rPr>
-              <a:t>画像処理 </a:t>
-            </a:r>
-            <a:r>
-              <a:rPr lang="en-US" altLang="ja-JP" dirty="0">
-                <a:solidFill>
-                  <a:schemeClr val="bg1"/>
-                </a:solidFill>
-              </a:rPr>
-              <a:t>/ </a:t>
-            </a:r>
-            <a:r>
-              <a:rPr lang="ja-JP" altLang="en-US" dirty="0">
-                <a:solidFill>
-                  <a:schemeClr val="bg1"/>
-                </a:solidFill>
-              </a:rPr>
-              <a:t>音声認識 </a:t>
-            </a:r>
-            <a:r>
-              <a:rPr lang="en-US" altLang="ja-JP" dirty="0">
-                <a:solidFill>
-                  <a:schemeClr val="bg1"/>
-                </a:solidFill>
-              </a:rPr>
-              <a:t>/ </a:t>
-            </a:r>
-            <a:r>
-              <a:rPr lang="ja-JP" altLang="en-US" dirty="0">
-                <a:solidFill>
-                  <a:schemeClr val="bg1"/>
-                </a:solidFill>
-              </a:rPr>
-              <a:t>言語処理 </a:t>
-            </a:r>
-            <a:r>
-              <a:rPr lang="en-US" altLang="ja-JP" dirty="0">
-                <a:solidFill>
-                  <a:schemeClr val="bg1"/>
-                </a:solidFill>
-              </a:rPr>
-              <a:t>/ </a:t>
-            </a:r>
-            <a:r>
-              <a:rPr lang="ja-JP" altLang="en-US" dirty="0">
-                <a:solidFill>
-                  <a:schemeClr val="bg1"/>
-                </a:solidFill>
-              </a:rPr>
-              <a:t>機械制御 </a:t>
-            </a:r>
-            <a:endParaRPr lang="en-US" altLang="ja-JP" dirty="0">
-              <a:solidFill>
-                <a:schemeClr val="bg1"/>
-              </a:solidFill>
-            </a:endParaRPr>
-          </a:p>
-          <a:p>
-            <a:pPr algn="ctr"/>
-            <a:r>
-              <a:rPr lang="en-US" altLang="ja-JP" dirty="0">
-                <a:solidFill>
-                  <a:schemeClr val="bg1"/>
-                </a:solidFill>
-              </a:rPr>
-              <a:t>WEB </a:t>
-            </a:r>
-            <a:r>
-              <a:rPr lang="ja-JP" altLang="en-US" dirty="0">
-                <a:solidFill>
-                  <a:schemeClr val="bg1"/>
-                </a:solidFill>
-              </a:rPr>
-              <a:t>サービス </a:t>
-            </a:r>
-            <a:r>
-              <a:rPr lang="en-US" altLang="ja-JP" dirty="0">
-                <a:solidFill>
-                  <a:schemeClr val="bg1"/>
-                </a:solidFill>
-              </a:rPr>
-              <a:t>/ </a:t>
-            </a:r>
-            <a:r>
-              <a:rPr lang="ja-JP" altLang="en-US" dirty="0">
-                <a:solidFill>
-                  <a:schemeClr val="bg1"/>
-                </a:solidFill>
-              </a:rPr>
-              <a:t>暗号　</a:t>
-            </a:r>
-            <a:r>
-              <a:rPr lang="en-US" altLang="ja-JP" dirty="0">
-                <a:solidFill>
-                  <a:schemeClr val="bg1"/>
-                </a:solidFill>
-              </a:rPr>
-              <a:t>…</a:t>
-            </a:r>
-            <a:endParaRPr kumimoji="1" lang="en-US" altLang="ja-JP" dirty="0">
-              <a:solidFill>
-                <a:schemeClr val="bg1"/>
-              </a:solidFill>
-            </a:endParaRPr>
-          </a:p>
-        </p:txBody>
-      </p:sp>
-      <p:sp>
-        <p:nvSpPr>
-          <p:cNvPr id="12" name="角丸四角形 6">
-            <a:extLst>
-              <a:ext uri="{FF2B5EF4-FFF2-40B4-BE49-F238E27FC236}">
-                <a16:creationId xmlns:a16="http://schemas.microsoft.com/office/drawing/2014/main" id="{5FE6B185-F8F2-421B-B9B1-B3C9116FC82A}"/>
-              </a:ext>
-            </a:extLst>
-          </p:cNvPr>
-          <p:cNvSpPr/>
-          <p:nvPr/>
-        </p:nvSpPr>
-        <p:spPr bwMode="auto">
-          <a:xfrm>
-            <a:off x="1601967" y="4329010"/>
-            <a:ext cx="6120392" cy="1080119"/>
-          </a:xfrm>
-          <a:prstGeom prst="roundRect">
-            <a:avLst/>
-          </a:prstGeom>
-          <a:solidFill>
-            <a:schemeClr val="accent3">
-              <a:lumMod val="75000"/>
-            </a:schemeClr>
-          </a:solidFill>
-          <a:ln>
-            <a:noFill/>
-            <a:headEnd/>
-            <a:tailEnd type="triangle" w="sm" len="med"/>
-          </a:ln>
-          <a:effectLst>
-            <a:softEdge rad="152400"/>
-          </a:effectLst>
-        </p:spPr>
-        <p:style>
-          <a:lnRef idx="2">
-            <a:schemeClr val="dk1"/>
-          </a:lnRef>
-          <a:fillRef idx="1">
-            <a:schemeClr val="lt1"/>
-          </a:fillRef>
-          <a:effectRef idx="0">
-            <a:schemeClr val="dk1"/>
-          </a:effectRef>
-          <a:fontRef idx="minor">
-            <a:schemeClr val="dk1"/>
-          </a:fontRef>
-        </p:style>
-        <p:txBody>
-          <a:bodyPr rtlCol="0" anchor="ctr"/>
-          <a:lstStyle/>
-          <a:p>
-            <a:pPr algn="ctr"/>
-            <a:r>
-              <a:rPr kumimoji="1" lang="ja-JP" altLang="en-US" sz="2400" dirty="0">
-                <a:solidFill>
-                  <a:schemeClr val="bg1"/>
-                </a:solidFill>
-              </a:rPr>
-              <a:t>論理回路</a:t>
-            </a:r>
-          </a:p>
-        </p:txBody>
-      </p:sp>
-      <p:sp>
-        <p:nvSpPr>
-          <p:cNvPr id="13" name="角丸四角形 7">
-            <a:extLst>
-              <a:ext uri="{FF2B5EF4-FFF2-40B4-BE49-F238E27FC236}">
-                <a16:creationId xmlns:a16="http://schemas.microsoft.com/office/drawing/2014/main" id="{A678F671-0E66-480E-9FEC-02CCFAFB7AF9}"/>
-              </a:ext>
-            </a:extLst>
-          </p:cNvPr>
-          <p:cNvSpPr/>
-          <p:nvPr/>
-        </p:nvSpPr>
-        <p:spPr bwMode="auto">
-          <a:xfrm>
-            <a:off x="1601967" y="5319021"/>
-            <a:ext cx="6120392" cy="1080013"/>
-          </a:xfrm>
-          <a:prstGeom prst="roundRect">
-            <a:avLst/>
-          </a:prstGeom>
-          <a:solidFill>
-            <a:schemeClr val="accent3">
-              <a:lumMod val="75000"/>
-            </a:schemeClr>
-          </a:solidFill>
-          <a:ln>
-            <a:noFill/>
-            <a:headEnd/>
-            <a:tailEnd type="triangle" w="sm" len="med"/>
-          </a:ln>
-          <a:effectLst>
-            <a:softEdge rad="152400"/>
-          </a:effectLst>
-        </p:spPr>
-        <p:style>
-          <a:lnRef idx="2">
-            <a:schemeClr val="dk1"/>
-          </a:lnRef>
-          <a:fillRef idx="1">
-            <a:schemeClr val="lt1"/>
-          </a:fillRef>
-          <a:effectRef idx="0">
-            <a:schemeClr val="dk1"/>
-          </a:effectRef>
-          <a:fontRef idx="minor">
-            <a:schemeClr val="dk1"/>
-          </a:fontRef>
-        </p:style>
-        <p:txBody>
-          <a:bodyPr rtlCol="0" anchor="ctr"/>
-          <a:lstStyle/>
-          <a:p>
-            <a:pPr algn="ctr"/>
-            <a:r>
-              <a:rPr kumimoji="1" lang="ja-JP" altLang="en-US" sz="2400" dirty="0">
-                <a:solidFill>
-                  <a:schemeClr val="bg1"/>
-                </a:solidFill>
-              </a:rPr>
-              <a:t>集積回路 </a:t>
-            </a:r>
-            <a:r>
-              <a:rPr kumimoji="1" lang="en-US" altLang="ja-JP" sz="2400" dirty="0">
-                <a:solidFill>
-                  <a:schemeClr val="bg1"/>
-                </a:solidFill>
-              </a:rPr>
-              <a:t>/ </a:t>
-            </a:r>
-            <a:r>
-              <a:rPr kumimoji="1" lang="ja-JP" altLang="en-US" sz="2400" dirty="0">
-                <a:solidFill>
-                  <a:schemeClr val="bg1"/>
-                </a:solidFill>
-              </a:rPr>
-              <a:t>デバイス</a:t>
-            </a:r>
+              <a:t>https://github.com/shioyadan/advanced-computer-organization</a:t>
+            </a:r>
+            <a:endParaRPr kumimoji="1" lang="en-US" altLang="ja-JP" dirty="0"/>
+          </a:p>
+          <a:p>
+            <a:r>
+              <a:rPr kumimoji="1" lang="ja-JP" altLang="en-US" dirty="0"/>
+              <a:t>よくわからない部分等は，</a:t>
+            </a:r>
+            <a:r>
+              <a:rPr kumimoji="1" lang="en-US" altLang="ja-JP" dirty="0"/>
+              <a:t>issue </a:t>
+            </a:r>
+            <a:r>
+              <a:rPr kumimoji="1" lang="ja-JP" altLang="en-US" dirty="0"/>
+              <a:t>を投げてもらうのもありです</a:t>
+            </a:r>
+            <a:endParaRPr kumimoji="1" lang="en-US" altLang="ja-JP" dirty="0"/>
+          </a:p>
+          <a:p>
+            <a:endParaRPr kumimoji="1" lang="ja-JP" altLang="en-US" dirty="0"/>
           </a:p>
         </p:txBody>
       </p:sp>
     </p:spTree>
     <p:extLst>
       <p:ext uri="{BB962C8B-B14F-4D97-AF65-F5344CB8AC3E}">
-        <p14:creationId xmlns:p14="http://schemas.microsoft.com/office/powerpoint/2010/main" val="3660651733"/>
+        <p14:creationId xmlns:p14="http://schemas.microsoft.com/office/powerpoint/2010/main" val="261981335"/>
       </p:ext>
     </p:extLst>
   </p:cSld>
@@ -4127,101 +3689,514 @@
           <a:p>
             <a:r>
               <a:rPr kumimoji="1" lang="ja-JP" altLang="en-US" dirty="0"/>
-              <a:t>他の講義との関係</a:t>
+              <a:t>話題は上から下までおよぶことがある</a:t>
             </a:r>
           </a:p>
         </p:txBody>
       </p:sp>
       <p:sp>
         <p:nvSpPr>
-          <p:cNvPr id="3" name="テキスト プレースホルダー 2"/>
-          <p:cNvSpPr>
-            <a:spLocks noGrp="1"/>
-          </p:cNvSpPr>
-          <p:nvPr>
-            <p:ph type="body" sz="quarter" idx="10"/>
-          </p:nvPr>
+          <p:cNvPr id="8" name="角丸四角形 3">
+            <a:extLst>
+              <a:ext uri="{FF2B5EF4-FFF2-40B4-BE49-F238E27FC236}">
+                <a16:creationId xmlns:a16="http://schemas.microsoft.com/office/drawing/2014/main" id="{FA488938-2682-4FD3-B8CA-B66CA1E146EA}"/>
+              </a:ext>
+            </a:extLst>
+          </p:cNvPr>
+          <p:cNvSpPr/>
+          <p:nvPr/>
         </p:nvSpPr>
-        <p:spPr/>
+        <p:spPr bwMode="auto">
+          <a:xfrm>
+            <a:off x="1601967" y="2168987"/>
+            <a:ext cx="6120392" cy="1170012"/>
+          </a:xfrm>
+          <a:prstGeom prst="roundRect">
+            <a:avLst/>
+          </a:prstGeom>
+          <a:solidFill>
+            <a:schemeClr val="accent1"/>
+          </a:solidFill>
+          <a:ln>
+            <a:noFill/>
+            <a:headEnd/>
+            <a:tailEnd type="triangle" w="sm" len="med"/>
+          </a:ln>
+          <a:effectLst>
+            <a:softEdge rad="152400"/>
+          </a:effectLst>
+        </p:spPr>
+        <p:style>
+          <a:lnRef idx="2">
+            <a:schemeClr val="dk1"/>
+          </a:lnRef>
+          <a:fillRef idx="1">
+            <a:schemeClr val="lt1"/>
+          </a:fillRef>
+          <a:effectRef idx="0">
+            <a:schemeClr val="dk1"/>
+          </a:effectRef>
+          <a:fontRef idx="minor">
+            <a:schemeClr val="dk1"/>
+          </a:fontRef>
+        </p:style>
         <p:txBody>
-          <a:bodyPr/>
+          <a:bodyPr rtlCol="0" anchor="ctr"/>
           <a:lstStyle/>
           <a:p>
-            <a:r>
-              <a:rPr kumimoji="1" lang="ja-JP" altLang="en-US" dirty="0"/>
-              <a:t>各地の学部：</a:t>
-            </a:r>
-            <a:endParaRPr kumimoji="1" lang="en-US" altLang="ja-JP" dirty="0"/>
-          </a:p>
-          <a:p>
-            <a:pPr lvl="1"/>
-            <a:r>
-              <a:rPr kumimoji="1" lang="ja-JP" altLang="en-US" dirty="0"/>
-              <a:t>論理回路，ディジタル回路</a:t>
-            </a:r>
-            <a:endParaRPr kumimoji="1" lang="en-US" altLang="ja-JP" dirty="0"/>
-          </a:p>
-          <a:p>
-            <a:pPr lvl="1"/>
-            <a:r>
-              <a:rPr kumimoji="1" lang="ja-JP" altLang="en-US" dirty="0"/>
-              <a:t>コンピュータ・アーキテクチャ，計算機アーキテクチャ</a:t>
-            </a:r>
-            <a:endParaRPr kumimoji="1" lang="en-US" altLang="ja-JP" dirty="0"/>
-          </a:p>
-          <a:p>
-            <a:r>
-              <a:rPr kumimoji="1" lang="ja-JP" altLang="en-US" dirty="0"/>
-              <a:t>大学院：たぶん，それぞれに近い講義がある</a:t>
-            </a:r>
-            <a:endParaRPr kumimoji="1" lang="en-US" altLang="ja-JP" dirty="0"/>
-          </a:p>
-          <a:p>
-            <a:pPr lvl="1"/>
-            <a:r>
-              <a:rPr kumimoji="1" lang="ja-JP" altLang="en-US"/>
-              <a:t>電子情報</a:t>
-            </a:r>
-            <a:r>
-              <a:rPr lang="ja-JP" altLang="en-US"/>
-              <a:t>学</a:t>
-            </a:r>
-            <a:r>
-              <a:rPr kumimoji="1" lang="ja-JP" altLang="en-US"/>
-              <a:t>（</a:t>
-            </a:r>
-            <a:r>
-              <a:rPr kumimoji="1" lang="ja-JP" altLang="en-US" dirty="0"/>
-              <a:t>入江先生）</a:t>
-            </a:r>
-            <a:endParaRPr kumimoji="1" lang="en-US" altLang="ja-JP" dirty="0"/>
-          </a:p>
-          <a:p>
-            <a:pPr lvl="1"/>
-            <a:r>
-              <a:rPr lang="ja-JP" altLang="en-US" dirty="0"/>
-              <a:t>システム情報学（中村先生，近藤先生）</a:t>
-            </a:r>
-            <a:endParaRPr kumimoji="1" lang="en-US" altLang="ja-JP" dirty="0"/>
-          </a:p>
-          <a:p>
-            <a:pPr lvl="1"/>
-            <a:r>
-              <a:rPr lang="ja-JP" altLang="en-US" dirty="0"/>
-              <a:t>コンピュータ科学（高前田先生）</a:t>
-            </a:r>
-            <a:endParaRPr lang="en-US" altLang="ja-JP" dirty="0"/>
-          </a:p>
-          <a:p>
-            <a:pPr lvl="1"/>
-            <a:endParaRPr kumimoji="1" lang="en-US" altLang="ja-JP" dirty="0"/>
+            <a:pPr algn="ctr"/>
+            <a:r>
+              <a:rPr kumimoji="1" lang="ja-JP" altLang="en-US" sz="1600" dirty="0">
+                <a:solidFill>
+                  <a:schemeClr val="bg1"/>
+                </a:solidFill>
+              </a:rPr>
+              <a:t>システム・ソフトウェア</a:t>
+            </a:r>
+            <a:endParaRPr kumimoji="1" lang="en-US" altLang="ja-JP" sz="1600" dirty="0">
+              <a:solidFill>
+                <a:schemeClr val="bg1"/>
+              </a:solidFill>
+            </a:endParaRPr>
+          </a:p>
+          <a:p>
+            <a:pPr algn="ctr"/>
+            <a:r>
+              <a:rPr kumimoji="1" lang="en-US" altLang="ja-JP" sz="1600" dirty="0">
+                <a:solidFill>
+                  <a:schemeClr val="bg1"/>
+                </a:solidFill>
+              </a:rPr>
+              <a:t>OS / </a:t>
+            </a:r>
+            <a:r>
+              <a:rPr kumimoji="1" lang="ja-JP" altLang="en-US" sz="1600" dirty="0">
+                <a:solidFill>
+                  <a:schemeClr val="bg1"/>
+                </a:solidFill>
+              </a:rPr>
+              <a:t>コンパイラ </a:t>
+            </a:r>
+            <a:r>
+              <a:rPr kumimoji="1" lang="en-US" altLang="ja-JP" sz="1600" dirty="0">
+                <a:solidFill>
+                  <a:schemeClr val="bg1"/>
+                </a:solidFill>
+              </a:rPr>
+              <a:t>/ </a:t>
+            </a:r>
+            <a:r>
+              <a:rPr kumimoji="1" lang="ja-JP" altLang="en-US" sz="1600" dirty="0">
+                <a:solidFill>
+                  <a:schemeClr val="bg1"/>
+                </a:solidFill>
+              </a:rPr>
+              <a:t>インタプリタ</a:t>
+            </a:r>
+          </a:p>
+        </p:txBody>
+      </p:sp>
+      <p:sp>
+        <p:nvSpPr>
+          <p:cNvPr id="14" name="角丸四角形 4">
+            <a:extLst>
+              <a:ext uri="{FF2B5EF4-FFF2-40B4-BE49-F238E27FC236}">
+                <a16:creationId xmlns:a16="http://schemas.microsoft.com/office/drawing/2014/main" id="{E2022B9A-3D00-416F-A24E-7D168ED7964B}"/>
+              </a:ext>
+            </a:extLst>
+          </p:cNvPr>
+          <p:cNvSpPr/>
+          <p:nvPr/>
+        </p:nvSpPr>
+        <p:spPr bwMode="auto">
+          <a:xfrm>
+            <a:off x="1601967" y="3248998"/>
+            <a:ext cx="6120392" cy="1170011"/>
+          </a:xfrm>
+          <a:prstGeom prst="roundRect">
+            <a:avLst/>
+          </a:prstGeom>
+          <a:solidFill>
+            <a:schemeClr val="accent5"/>
+          </a:solidFill>
+          <a:ln>
+            <a:noFill/>
+            <a:headEnd/>
+            <a:tailEnd type="triangle" w="sm" len="med"/>
+          </a:ln>
+          <a:effectLst>
+            <a:softEdge rad="152400"/>
+          </a:effectLst>
+        </p:spPr>
+        <p:style>
+          <a:lnRef idx="2">
+            <a:schemeClr val="dk1"/>
+          </a:lnRef>
+          <a:fillRef idx="1">
+            <a:schemeClr val="lt1"/>
+          </a:fillRef>
+          <a:effectRef idx="0">
+            <a:schemeClr val="dk1"/>
+          </a:effectRef>
+          <a:fontRef idx="minor">
+            <a:schemeClr val="dk1"/>
+          </a:fontRef>
+        </p:style>
+        <p:txBody>
+          <a:bodyPr rtlCol="0" anchor="ctr"/>
+          <a:lstStyle/>
+          <a:p>
+            <a:pPr algn="ctr"/>
+            <a:r>
+              <a:rPr lang="ja-JP" altLang="en-US" sz="3200" b="1" dirty="0">
+                <a:solidFill>
+                  <a:schemeClr val="bg1"/>
+                </a:solidFill>
+              </a:rPr>
+              <a:t>ここ→ </a:t>
+            </a:r>
+            <a:r>
+              <a:rPr lang="ja-JP" altLang="en-US" sz="2400" b="1" dirty="0">
+                <a:solidFill>
+                  <a:schemeClr val="bg1"/>
+                </a:solidFill>
+              </a:rPr>
+              <a:t>コンピュータ</a:t>
+            </a:r>
+            <a:r>
+              <a:rPr kumimoji="1" lang="ja-JP" altLang="en-US" sz="2400" b="1" dirty="0">
+                <a:solidFill>
+                  <a:schemeClr val="bg1"/>
+                </a:solidFill>
+              </a:rPr>
+              <a:t>・アーキテクチャ</a:t>
+            </a:r>
+          </a:p>
+        </p:txBody>
+      </p:sp>
+      <p:sp>
+        <p:nvSpPr>
+          <p:cNvPr id="15" name="角丸四角形 5">
+            <a:extLst>
+              <a:ext uri="{FF2B5EF4-FFF2-40B4-BE49-F238E27FC236}">
+                <a16:creationId xmlns:a16="http://schemas.microsoft.com/office/drawing/2014/main" id="{E2BECCC0-2631-4FCE-BF2E-85671E892DCD}"/>
+              </a:ext>
+            </a:extLst>
+          </p:cNvPr>
+          <p:cNvSpPr/>
+          <p:nvPr/>
+        </p:nvSpPr>
+        <p:spPr bwMode="auto">
+          <a:xfrm>
+            <a:off x="1601967" y="1088974"/>
+            <a:ext cx="6120392" cy="1170013"/>
+          </a:xfrm>
+          <a:prstGeom prst="roundRect">
+            <a:avLst/>
+          </a:prstGeom>
+          <a:solidFill>
+            <a:schemeClr val="accent1"/>
+          </a:solidFill>
+          <a:ln>
+            <a:noFill/>
+            <a:headEnd/>
+            <a:tailEnd type="triangle" w="sm" len="med"/>
+          </a:ln>
+          <a:effectLst>
+            <a:softEdge rad="152400"/>
+          </a:effectLst>
+        </p:spPr>
+        <p:style>
+          <a:lnRef idx="2">
+            <a:schemeClr val="dk1"/>
+          </a:lnRef>
+          <a:fillRef idx="1">
+            <a:schemeClr val="lt1"/>
+          </a:fillRef>
+          <a:effectRef idx="0">
+            <a:schemeClr val="dk1"/>
+          </a:effectRef>
+          <a:fontRef idx="minor">
+            <a:schemeClr val="dk1"/>
+          </a:fontRef>
+        </p:style>
+        <p:txBody>
+          <a:bodyPr rtlCol="0" anchor="ctr"/>
+          <a:lstStyle/>
+          <a:p>
+            <a:pPr algn="ctr"/>
+            <a:r>
+              <a:rPr kumimoji="1" lang="ja-JP" altLang="en-US" sz="1600" dirty="0">
+                <a:solidFill>
+                  <a:schemeClr val="bg1"/>
+                </a:solidFill>
+              </a:rPr>
+              <a:t>アプリケーション・ソフトウェア</a:t>
+            </a:r>
+            <a:endParaRPr kumimoji="1" lang="en-US" altLang="ja-JP" sz="1600" dirty="0">
+              <a:solidFill>
+                <a:schemeClr val="bg1"/>
+              </a:solidFill>
+            </a:endParaRPr>
+          </a:p>
+          <a:p>
+            <a:pPr algn="ctr"/>
+            <a:r>
+              <a:rPr lang="ja-JP" altLang="en-US" sz="1600" dirty="0">
+                <a:solidFill>
+                  <a:schemeClr val="bg1"/>
+                </a:solidFill>
+              </a:rPr>
+              <a:t>画像処理 </a:t>
+            </a:r>
+            <a:r>
+              <a:rPr lang="en-US" altLang="ja-JP" sz="1600" dirty="0">
+                <a:solidFill>
+                  <a:schemeClr val="bg1"/>
+                </a:solidFill>
+              </a:rPr>
+              <a:t>/ </a:t>
+            </a:r>
+            <a:r>
+              <a:rPr lang="ja-JP" altLang="en-US" sz="1600" dirty="0">
+                <a:solidFill>
+                  <a:schemeClr val="bg1"/>
+                </a:solidFill>
+              </a:rPr>
+              <a:t>音声認識 </a:t>
+            </a:r>
+            <a:r>
+              <a:rPr lang="en-US" altLang="ja-JP" sz="1600" dirty="0">
+                <a:solidFill>
+                  <a:schemeClr val="bg1"/>
+                </a:solidFill>
+              </a:rPr>
+              <a:t>/ </a:t>
+            </a:r>
+            <a:r>
+              <a:rPr lang="ja-JP" altLang="en-US" sz="1600" dirty="0">
+                <a:solidFill>
+                  <a:schemeClr val="bg1"/>
+                </a:solidFill>
+              </a:rPr>
+              <a:t>言語処理 </a:t>
+            </a:r>
+            <a:r>
+              <a:rPr lang="en-US" altLang="ja-JP" sz="1600" dirty="0">
+                <a:solidFill>
+                  <a:schemeClr val="bg1"/>
+                </a:solidFill>
+              </a:rPr>
+              <a:t>/ </a:t>
+            </a:r>
+            <a:r>
+              <a:rPr lang="ja-JP" altLang="en-US" sz="1600" dirty="0">
+                <a:solidFill>
+                  <a:schemeClr val="bg1"/>
+                </a:solidFill>
+              </a:rPr>
+              <a:t>機械制御 </a:t>
+            </a:r>
+            <a:endParaRPr lang="en-US" altLang="ja-JP" sz="1600" dirty="0">
+              <a:solidFill>
+                <a:schemeClr val="bg1"/>
+              </a:solidFill>
+            </a:endParaRPr>
+          </a:p>
+          <a:p>
+            <a:pPr algn="ctr"/>
+            <a:r>
+              <a:rPr lang="en-US" altLang="ja-JP" sz="1600" dirty="0">
+                <a:solidFill>
+                  <a:schemeClr val="bg1"/>
+                </a:solidFill>
+              </a:rPr>
+              <a:t>WEB </a:t>
+            </a:r>
+            <a:r>
+              <a:rPr lang="ja-JP" altLang="en-US" sz="1600" dirty="0">
+                <a:solidFill>
+                  <a:schemeClr val="bg1"/>
+                </a:solidFill>
+              </a:rPr>
+              <a:t>サービス </a:t>
+            </a:r>
+            <a:r>
+              <a:rPr lang="en-US" altLang="ja-JP" sz="1600" dirty="0">
+                <a:solidFill>
+                  <a:schemeClr val="bg1"/>
+                </a:solidFill>
+              </a:rPr>
+              <a:t>/ </a:t>
+            </a:r>
+            <a:r>
+              <a:rPr lang="ja-JP" altLang="en-US" sz="1600" dirty="0">
+                <a:solidFill>
+                  <a:schemeClr val="bg1"/>
+                </a:solidFill>
+              </a:rPr>
+              <a:t>暗号　</a:t>
+            </a:r>
+            <a:r>
+              <a:rPr lang="en-US" altLang="ja-JP" sz="1600" dirty="0">
+                <a:solidFill>
+                  <a:schemeClr val="bg1"/>
+                </a:solidFill>
+              </a:rPr>
+              <a:t>…</a:t>
+            </a:r>
+            <a:endParaRPr kumimoji="1" lang="en-US" altLang="ja-JP" sz="1600" dirty="0">
+              <a:solidFill>
+                <a:schemeClr val="bg1"/>
+              </a:solidFill>
+            </a:endParaRPr>
+          </a:p>
+        </p:txBody>
+      </p:sp>
+      <p:sp>
+        <p:nvSpPr>
+          <p:cNvPr id="16" name="角丸四角形 6">
+            <a:extLst>
+              <a:ext uri="{FF2B5EF4-FFF2-40B4-BE49-F238E27FC236}">
+                <a16:creationId xmlns:a16="http://schemas.microsoft.com/office/drawing/2014/main" id="{BA1B70E4-FD58-4DBC-B73A-2AF978064DD4}"/>
+              </a:ext>
+            </a:extLst>
+          </p:cNvPr>
+          <p:cNvSpPr/>
+          <p:nvPr/>
+        </p:nvSpPr>
+        <p:spPr bwMode="auto">
+          <a:xfrm>
+            <a:off x="1601967" y="4329010"/>
+            <a:ext cx="6120392" cy="1080119"/>
+          </a:xfrm>
+          <a:prstGeom prst="roundRect">
+            <a:avLst/>
+          </a:prstGeom>
+          <a:solidFill>
+            <a:schemeClr val="accent4"/>
+          </a:solidFill>
+          <a:ln>
+            <a:noFill/>
+            <a:headEnd/>
+            <a:tailEnd type="triangle" w="sm" len="med"/>
+          </a:ln>
+          <a:effectLst>
+            <a:softEdge rad="152400"/>
+          </a:effectLst>
+        </p:spPr>
+        <p:style>
+          <a:lnRef idx="2">
+            <a:schemeClr val="dk1"/>
+          </a:lnRef>
+          <a:fillRef idx="1">
+            <a:schemeClr val="lt1"/>
+          </a:fillRef>
+          <a:effectRef idx="0">
+            <a:schemeClr val="dk1"/>
+          </a:effectRef>
+          <a:fontRef idx="minor">
+            <a:schemeClr val="dk1"/>
+          </a:fontRef>
+        </p:style>
+        <p:txBody>
+          <a:bodyPr rtlCol="0" anchor="ctr"/>
+          <a:lstStyle/>
+          <a:p>
+            <a:pPr algn="ctr"/>
+            <a:r>
+              <a:rPr kumimoji="1" lang="ja-JP" altLang="en-US" dirty="0">
+                <a:solidFill>
+                  <a:schemeClr val="bg1"/>
+                </a:solidFill>
+              </a:rPr>
+              <a:t>論理回路</a:t>
+            </a:r>
+          </a:p>
+        </p:txBody>
+      </p:sp>
+      <p:sp>
+        <p:nvSpPr>
+          <p:cNvPr id="17" name="角丸四角形 7">
+            <a:extLst>
+              <a:ext uri="{FF2B5EF4-FFF2-40B4-BE49-F238E27FC236}">
+                <a16:creationId xmlns:a16="http://schemas.microsoft.com/office/drawing/2014/main" id="{1B4CDCB3-6DDC-4087-A9E2-02E876D8ACC1}"/>
+              </a:ext>
+            </a:extLst>
+          </p:cNvPr>
+          <p:cNvSpPr/>
+          <p:nvPr/>
+        </p:nvSpPr>
+        <p:spPr bwMode="auto">
+          <a:xfrm>
+            <a:off x="1601967" y="5319021"/>
+            <a:ext cx="6120392" cy="1080013"/>
+          </a:xfrm>
+          <a:prstGeom prst="roundRect">
+            <a:avLst/>
+          </a:prstGeom>
+          <a:solidFill>
+            <a:schemeClr val="accent4"/>
+          </a:solidFill>
+          <a:ln>
+            <a:noFill/>
+            <a:headEnd/>
+            <a:tailEnd type="triangle" w="sm" len="med"/>
+          </a:ln>
+          <a:effectLst>
+            <a:softEdge rad="152400"/>
+          </a:effectLst>
+        </p:spPr>
+        <p:style>
+          <a:lnRef idx="2">
+            <a:schemeClr val="dk1"/>
+          </a:lnRef>
+          <a:fillRef idx="1">
+            <a:schemeClr val="lt1"/>
+          </a:fillRef>
+          <a:effectRef idx="0">
+            <a:schemeClr val="dk1"/>
+          </a:effectRef>
+          <a:fontRef idx="minor">
+            <a:schemeClr val="dk1"/>
+          </a:fontRef>
+        </p:style>
+        <p:txBody>
+          <a:bodyPr rtlCol="0" anchor="ctr"/>
+          <a:lstStyle/>
+          <a:p>
+            <a:pPr algn="ctr"/>
+            <a:r>
+              <a:rPr kumimoji="1" lang="ja-JP" altLang="en-US" dirty="0">
+                <a:solidFill>
+                  <a:schemeClr val="bg1"/>
+                </a:solidFill>
+              </a:rPr>
+              <a:t>集積回路 </a:t>
+            </a:r>
+            <a:r>
+              <a:rPr kumimoji="1" lang="en-US" altLang="ja-JP" dirty="0">
+                <a:solidFill>
+                  <a:schemeClr val="bg1"/>
+                </a:solidFill>
+              </a:rPr>
+              <a:t>/ </a:t>
+            </a:r>
+            <a:r>
+              <a:rPr kumimoji="1" lang="ja-JP" altLang="en-US" dirty="0">
+                <a:solidFill>
+                  <a:schemeClr val="bg1"/>
+                </a:solidFill>
+              </a:rPr>
+              <a:t>デバイス</a:t>
+            </a:r>
           </a:p>
         </p:txBody>
       </p:sp>
     </p:spTree>
     <p:extLst>
       <p:ext uri="{BB962C8B-B14F-4D97-AF65-F5344CB8AC3E}">
-        <p14:creationId xmlns:p14="http://schemas.microsoft.com/office/powerpoint/2010/main" val="3693932010"/>
+        <p14:creationId xmlns:p14="http://schemas.microsoft.com/office/powerpoint/2010/main" val="3660651733"/>
       </p:ext>
     </p:extLst>
   </p:cSld>
@@ -4258,7 +4233,13 @@
       </p:grpSpPr>
       <p:sp>
         <p:nvSpPr>
-          <p:cNvPr id="2" name="タイトル 1"/>
+          <p:cNvPr id="2" name="タイトル 1">
+            <a:extLst>
+              <a:ext uri="{FF2B5EF4-FFF2-40B4-BE49-F238E27FC236}">
+                <a16:creationId xmlns:a16="http://schemas.microsoft.com/office/drawing/2014/main" id="{24D6B37F-2945-4E33-9E0A-04F00ED1F72B}"/>
+              </a:ext>
+            </a:extLst>
+          </p:cNvPr>
           <p:cNvSpPr>
             <a:spLocks noGrp="1"/>
           </p:cNvSpPr>
@@ -4273,14 +4254,43 @@
           <a:p>
             <a:r>
               <a:rPr kumimoji="1" lang="ja-JP" altLang="en-US" dirty="0"/>
-              <a:t>成績</a:t>
+              <a:t>コンピュータや </a:t>
+            </a:r>
+            <a:r>
+              <a:rPr kumimoji="1" lang="en-US" altLang="ja-JP" dirty="0"/>
+              <a:t>CPU</a:t>
+            </a:r>
+            <a:r>
+              <a:rPr kumimoji="1" lang="ja-JP" altLang="en-US" dirty="0"/>
+              <a:t>，</a:t>
+            </a:r>
+            <a:r>
+              <a:rPr kumimoji="1" lang="en-US" altLang="ja-JP" dirty="0"/>
+              <a:t>GPU </a:t>
+            </a:r>
+            <a:r>
+              <a:rPr kumimoji="1" lang="ja-JP" altLang="en-US" dirty="0"/>
+              <a:t>等についての</a:t>
+            </a:r>
+            <a:br>
+              <a:rPr kumimoji="1" lang="en-US" altLang="ja-JP" dirty="0"/>
+            </a:br>
+            <a:r>
+              <a:rPr kumimoji="1" lang="ja-JP" altLang="en-US" dirty="0"/>
+              <a:t>ニュースや解説記事など</a:t>
             </a:r>
           </a:p>
         </p:txBody>
       </p:sp>
       <p:sp>
         <p:nvSpPr>
-          <p:cNvPr id="3" name="テキスト プレースホルダー 2"/>
+          <p:cNvPr id="3" name="テキスト プレースホルダー 2">
+            <a:extLst>
+              <a:ext uri="{FF2B5EF4-FFF2-40B4-BE49-F238E27FC236}">
+                <a16:creationId xmlns:a16="http://schemas.microsoft.com/office/drawing/2014/main" id="{14D5B29B-5B6D-4740-BC9A-6C771386DF5A}"/>
+              </a:ext>
+            </a:extLst>
+          </p:cNvPr>
           <p:cNvSpPr>
             <a:spLocks noGrp="1"/>
           </p:cNvSpPr>
@@ -4288,23 +4298,98 @@
             <p:ph type="body" sz="quarter" idx="10"/>
           </p:nvPr>
         </p:nvSpPr>
-        <p:spPr/>
+        <p:spPr>
+          <a:xfrm>
+            <a:off x="4391998" y="1178975"/>
+            <a:ext cx="4500050" cy="5129750"/>
+          </a:xfrm>
+        </p:spPr>
         <p:txBody>
-          <a:bodyPr/>
+          <a:bodyPr anchor="t"/>
           <a:lstStyle/>
           <a:p>
             <a:r>
-              <a:rPr kumimoji="1" lang="ja-JP" altLang="en-US" dirty="0"/>
-              <a:t>出席とレポート･･･ で主につけようと思う</a:t>
-            </a:r>
-            <a:endParaRPr kumimoji="1" lang="en-US" altLang="ja-JP" dirty="0"/>
+              <a:rPr kumimoji="1" lang="ja-JP" altLang="en-US" sz="1800" dirty="0"/>
+              <a:t>たとえば左に書いてあるようなことが，なんとなくわかるようになる</a:t>
+            </a:r>
+            <a:endParaRPr kumimoji="1" lang="en-US" altLang="ja-JP" sz="1800" dirty="0">
+              <a:solidFill>
+                <a:srgbClr val="0000FF"/>
+              </a:solidFill>
+              <a:hlinkClick r:id="rId2">
+                <a:extLst>
+                  <a:ext uri="{A12FA001-AC4F-418D-AE19-62706E023703}">
+                    <ahyp:hlinkClr xmlns:ahyp="http://schemas.microsoft.com/office/drawing/2018/hyperlinkcolor" val="tx"/>
+                  </a:ext>
+                </a:extLst>
+              </a:hlinkClick>
+            </a:endParaRPr>
+          </a:p>
+          <a:p>
+            <a:r>
+              <a:rPr kumimoji="1" lang="en-US" altLang="ja-JP" sz="1800" dirty="0">
+                <a:solidFill>
+                  <a:schemeClr val="accent4"/>
+                </a:solidFill>
+                <a:hlinkClick r:id="rId2">
+                  <a:extLst>
+                    <a:ext uri="{A12FA001-AC4F-418D-AE19-62706E023703}">
+                      <ahyp:hlinkClr xmlns:ahyp="http://schemas.microsoft.com/office/drawing/2018/hyperlinkcolor" val="tx"/>
+                    </a:ext>
+                  </a:extLst>
+                </a:hlinkClick>
+              </a:rPr>
+              <a:t>https://pc.watch.impress.co.jp/docs/column/kaigai/1282690.html</a:t>
+            </a:r>
+            <a:r>
+              <a:rPr kumimoji="1" lang="en-US" altLang="ja-JP" sz="1800" dirty="0"/>
+              <a:t> </a:t>
+            </a:r>
+            <a:r>
+              <a:rPr kumimoji="1" lang="ja-JP" altLang="en-US" sz="1800" dirty="0"/>
+              <a:t>より</a:t>
+            </a:r>
+            <a:endParaRPr kumimoji="1" lang="en-US" altLang="ja-JP" sz="1800" dirty="0"/>
+          </a:p>
+          <a:p>
+            <a:endParaRPr kumimoji="1" lang="ja-JP" altLang="en-US" sz="1800" dirty="0"/>
           </a:p>
         </p:txBody>
       </p:sp>
+      <p:pic>
+        <p:nvPicPr>
+          <p:cNvPr id="5" name="図 4">
+            <a:extLst>
+              <a:ext uri="{FF2B5EF4-FFF2-40B4-BE49-F238E27FC236}">
+                <a16:creationId xmlns:a16="http://schemas.microsoft.com/office/drawing/2014/main" id="{C2F81373-D8AC-44FA-B2FC-BFA30F604551}"/>
+              </a:ext>
+            </a:extLst>
+          </p:cNvPr>
+          <p:cNvPicPr>
+            <a:picLocks noChangeAspect="1"/>
+          </p:cNvPicPr>
+          <p:nvPr/>
+        </p:nvPicPr>
+        <p:blipFill>
+          <a:blip r:embed="rId3"/>
+          <a:stretch>
+            <a:fillRect/>
+          </a:stretch>
+        </p:blipFill>
+        <p:spPr>
+          <a:xfrm>
+            <a:off x="315238" y="998973"/>
+            <a:ext cx="4076759" cy="5797580"/>
+          </a:xfrm>
+          <a:prstGeom prst="rect">
+            <a:avLst/>
+          </a:prstGeom>
+        </p:spPr>
+      </p:pic>
     </p:spTree>
     <p:extLst>
       <p:ext uri="{BB962C8B-B14F-4D97-AF65-F5344CB8AC3E}">
-        <p14:creationId xmlns:p14="http://schemas.microsoft.com/office/powerpoint/2010/main" val="1248856909"/>
+        <p14:creationId xmlns:p14="http://schemas.microsoft.com/office/powerpoint/2010/main" val="3085847884"/>
       </p:ext>
     </p:extLst>
   </p:cSld>
@@ -4356,7 +4441,261 @@
           <a:p>
             <a:r>
               <a:rPr kumimoji="1" lang="ja-JP" altLang="en-US" dirty="0"/>
-              <a:t>アンケート</a:t>
+              <a:t>他の講義との関係</a:t>
+            </a:r>
+          </a:p>
+        </p:txBody>
+      </p:sp>
+      <p:sp>
+        <p:nvSpPr>
+          <p:cNvPr id="3" name="テキスト プレースホルダー 2"/>
+          <p:cNvSpPr>
+            <a:spLocks noGrp="1"/>
+          </p:cNvSpPr>
+          <p:nvPr>
+            <p:ph type="body" sz="quarter" idx="10"/>
+          </p:nvPr>
+        </p:nvSpPr>
+        <p:spPr/>
+        <p:txBody>
+          <a:bodyPr/>
+          <a:lstStyle/>
+          <a:p>
+            <a:r>
+              <a:rPr kumimoji="1" lang="ja-JP" altLang="en-US" dirty="0"/>
+              <a:t>各地の学部：</a:t>
+            </a:r>
+            <a:endParaRPr kumimoji="1" lang="en-US" altLang="ja-JP" dirty="0"/>
+          </a:p>
+          <a:p>
+            <a:pPr lvl="1"/>
+            <a:r>
+              <a:rPr kumimoji="1" lang="ja-JP" altLang="en-US" dirty="0"/>
+              <a:t>論理回路，ディジタル回路</a:t>
+            </a:r>
+            <a:endParaRPr kumimoji="1" lang="en-US" altLang="ja-JP" dirty="0"/>
+          </a:p>
+          <a:p>
+            <a:pPr lvl="1"/>
+            <a:r>
+              <a:rPr kumimoji="1" lang="ja-JP" altLang="en-US" dirty="0"/>
+              <a:t>コンピュータ・アーキテクチャ，計算機アーキテクチャ</a:t>
+            </a:r>
+            <a:endParaRPr kumimoji="1" lang="en-US" altLang="ja-JP" dirty="0"/>
+          </a:p>
+          <a:p>
+            <a:r>
+              <a:rPr kumimoji="1" lang="ja-JP" altLang="en-US" dirty="0"/>
+              <a:t>大学院：東大だと，下記の先生方が近い内容を扱っているはず</a:t>
+            </a:r>
+            <a:endParaRPr kumimoji="1" lang="en-US" altLang="ja-JP" dirty="0"/>
+          </a:p>
+          <a:p>
+            <a:pPr lvl="1"/>
+            <a:r>
+              <a:rPr kumimoji="1" lang="ja-JP" altLang="en-US" dirty="0"/>
+              <a:t>電子情報</a:t>
+            </a:r>
+            <a:r>
+              <a:rPr lang="ja-JP" altLang="en-US" dirty="0"/>
+              <a:t>学</a:t>
+            </a:r>
+            <a:r>
+              <a:rPr kumimoji="1" lang="ja-JP" altLang="en-US" dirty="0"/>
+              <a:t>（坂井先生，入江先生）</a:t>
+            </a:r>
+            <a:endParaRPr kumimoji="1" lang="en-US" altLang="ja-JP" dirty="0"/>
+          </a:p>
+          <a:p>
+            <a:pPr lvl="1"/>
+            <a:r>
+              <a:rPr lang="ja-JP" altLang="en-US" dirty="0"/>
+              <a:t>システム情報学（中村先生，高瀬先生）</a:t>
+            </a:r>
+            <a:endParaRPr kumimoji="1" lang="en-US" altLang="ja-JP" dirty="0"/>
+          </a:p>
+          <a:p>
+            <a:pPr lvl="1"/>
+            <a:r>
+              <a:rPr lang="ja-JP" altLang="en-US" dirty="0"/>
+              <a:t>コンピュータ科学（</a:t>
+            </a:r>
+            <a:r>
+              <a:rPr lang="ja-JP" altLang="en-US" b="0" i="0" dirty="0">
+                <a:solidFill>
+                  <a:srgbClr val="1D1C1D"/>
+                </a:solidFill>
+                <a:effectLst/>
+                <a:latin typeface="NotoSansJP"/>
+              </a:rPr>
+              <a:t>中田先生，</a:t>
+            </a:r>
+            <a:r>
+              <a:rPr lang="ja-JP" altLang="en-US" dirty="0"/>
+              <a:t>高前田先生）</a:t>
+            </a:r>
+            <a:endParaRPr lang="en-US" altLang="ja-JP" dirty="0"/>
+          </a:p>
+          <a:p>
+            <a:pPr lvl="1"/>
+            <a:endParaRPr kumimoji="1" lang="en-US" altLang="ja-JP" dirty="0"/>
+          </a:p>
+        </p:txBody>
+      </p:sp>
+    </p:spTree>
+    <p:extLst>
+      <p:ext uri="{BB962C8B-B14F-4D97-AF65-F5344CB8AC3E}">
+        <p14:creationId xmlns:p14="http://schemas.microsoft.com/office/powerpoint/2010/main" val="3693932010"/>
+      </p:ext>
+    </p:extLst>
+  </p:cSld>
+  <p:clrMapOvr>
+    <a:masterClrMapping/>
+  </p:clrMapOvr>
+  <mc:AlternateContent xmlns:mc="http://schemas.openxmlformats.org/markup-compatibility/2006" xmlns:p14="http://schemas.microsoft.com/office/powerpoint/2010/main">
+    <mc:Choice Requires="p14">
+      <p:transition p14:dur="10"/>
+    </mc:Choice>
+    <mc:Fallback xmlns="">
+      <p:transition/>
+    </mc:Fallback>
+  </mc:AlternateContent>
+</p:sld>
+</file>
+
+<file path=ppt/slides/slide14.xml><?xml version="1.0" encoding="utf-8"?>
+<p:sld xmlns:a="http://schemas.openxmlformats.org/drawingml/2006/main" xmlns:r="http://schemas.openxmlformats.org/officeDocument/2006/relationships" xmlns:p="http://schemas.openxmlformats.org/presentationml/2006/main">
+  <p:cSld>
+    <p:spTree>
+      <p:nvGrpSpPr>
+        <p:cNvPr id="1" name=""/>
+        <p:cNvGrpSpPr/>
+        <p:nvPr/>
+      </p:nvGrpSpPr>
+      <p:grpSpPr>
+        <a:xfrm>
+          <a:off x="0" y="0"/>
+          <a:ext cx="0" cy="0"/>
+          <a:chOff x="0" y="0"/>
+          <a:chExt cx="0" cy="0"/>
+        </a:xfrm>
+      </p:grpSpPr>
+      <p:sp>
+        <p:nvSpPr>
+          <p:cNvPr id="2" name="タイトル 1"/>
+          <p:cNvSpPr>
+            <a:spLocks noGrp="1"/>
+          </p:cNvSpPr>
+          <p:nvPr>
+            <p:ph type="title"/>
+          </p:nvPr>
+        </p:nvSpPr>
+        <p:spPr/>
+        <p:txBody>
+          <a:bodyPr/>
+          <a:lstStyle/>
+          <a:p>
+            <a:r>
+              <a:rPr kumimoji="1" lang="ja-JP" altLang="en-US" dirty="0"/>
+              <a:t>成績</a:t>
+            </a:r>
+          </a:p>
+        </p:txBody>
+      </p:sp>
+      <p:sp>
+        <p:nvSpPr>
+          <p:cNvPr id="3" name="テキスト プレースホルダー 2"/>
+          <p:cNvSpPr>
+            <a:spLocks noGrp="1"/>
+          </p:cNvSpPr>
+          <p:nvPr>
+            <p:ph type="body" sz="quarter" idx="10"/>
+          </p:nvPr>
+        </p:nvSpPr>
+        <p:spPr/>
+        <p:txBody>
+          <a:bodyPr/>
+          <a:lstStyle/>
+          <a:p>
+            <a:r>
+              <a:rPr kumimoji="1" lang="ja-JP" altLang="en-US" dirty="0"/>
+              <a:t>出席とレポート･･･ で主につけようと思います</a:t>
+            </a:r>
+            <a:endParaRPr kumimoji="1" lang="en-US" altLang="ja-JP" dirty="0"/>
+          </a:p>
+          <a:p>
+            <a:r>
+              <a:rPr kumimoji="1" lang="ja-JP" altLang="en-US" dirty="0"/>
+              <a:t>今年はレポートとの選択で課題も出そうと考えています</a:t>
+            </a:r>
+            <a:endParaRPr kumimoji="1" lang="en-US" altLang="ja-JP" dirty="0"/>
+          </a:p>
+          <a:p>
+            <a:pPr lvl="1"/>
+            <a:r>
+              <a:rPr kumimoji="1" lang="ja-JP" altLang="en-US" dirty="0"/>
+              <a:t>プログラムの特性の解析など</a:t>
+            </a:r>
+            <a:endParaRPr kumimoji="1" lang="en-US" altLang="ja-JP" dirty="0"/>
+          </a:p>
+        </p:txBody>
+      </p:sp>
+    </p:spTree>
+    <p:extLst>
+      <p:ext uri="{BB962C8B-B14F-4D97-AF65-F5344CB8AC3E}">
+        <p14:creationId xmlns:p14="http://schemas.microsoft.com/office/powerpoint/2010/main" val="1248856909"/>
+      </p:ext>
+    </p:extLst>
+  </p:cSld>
+  <p:clrMapOvr>
+    <a:masterClrMapping/>
+  </p:clrMapOvr>
+  <mc:AlternateContent xmlns:mc="http://schemas.openxmlformats.org/markup-compatibility/2006" xmlns:p14="http://schemas.microsoft.com/office/powerpoint/2010/main">
+    <mc:Choice Requires="p14">
+      <p:transition p14:dur="10"/>
+    </mc:Choice>
+    <mc:Fallback xmlns="">
+      <p:transition/>
+    </mc:Fallback>
+  </mc:AlternateContent>
+</p:sld>
+</file>
+
+<file path=ppt/slides/slide15.xml><?xml version="1.0" encoding="utf-8"?>
+<p:sld xmlns:a="http://schemas.openxmlformats.org/drawingml/2006/main" xmlns:r="http://schemas.openxmlformats.org/officeDocument/2006/relationships" xmlns:p="http://schemas.openxmlformats.org/presentationml/2006/main">
+  <p:cSld>
+    <p:spTree>
+      <p:nvGrpSpPr>
+        <p:cNvPr id="1" name=""/>
+        <p:cNvGrpSpPr/>
+        <p:nvPr/>
+      </p:nvGrpSpPr>
+      <p:grpSpPr>
+        <a:xfrm>
+          <a:off x="0" y="0"/>
+          <a:ext cx="0" cy="0"/>
+          <a:chOff x="0" y="0"/>
+          <a:chExt cx="0" cy="0"/>
+        </a:xfrm>
+      </p:grpSpPr>
+      <p:sp>
+        <p:nvSpPr>
+          <p:cNvPr id="2" name="タイトル 1"/>
+          <p:cNvSpPr>
+            <a:spLocks noGrp="1"/>
+          </p:cNvSpPr>
+          <p:nvPr>
+            <p:ph type="title"/>
+          </p:nvPr>
+        </p:nvSpPr>
+        <p:spPr/>
+        <p:txBody>
+          <a:bodyPr/>
+          <a:lstStyle/>
+          <a:p>
+            <a:r>
+              <a:rPr kumimoji="1" lang="ja-JP" altLang="en-US" dirty="0"/>
+              <a:t>今日の出席</a:t>
             </a:r>
           </a:p>
         </p:txBody>
@@ -4382,18 +4721,28 @@
           <a:lstStyle/>
           <a:p>
             <a:r>
-              <a:rPr lang="ja-JP" altLang="en-US" dirty="0"/>
-              <a:t>下記について，</a:t>
-            </a:r>
-            <a:r>
-              <a:rPr lang="en-US" altLang="ja-JP" dirty="0"/>
-              <a:t>ZOOM </a:t>
-            </a:r>
-            <a:r>
-              <a:rPr lang="ja-JP" altLang="en-US" dirty="0"/>
-              <a:t>のアンケートで答えてください</a:t>
-            </a:r>
-            <a:endParaRPr lang="en-US" altLang="ja-JP" dirty="0"/>
+              <a:rPr lang="ja-JP" altLang="en-US" sz="1800" dirty="0"/>
+              <a:t>出欠パスワード：</a:t>
+            </a:r>
+            <a:r>
+              <a:rPr lang="en-US" altLang="ja-JP" sz="1800" dirty="0"/>
+              <a:t>computer</a:t>
+            </a:r>
+          </a:p>
+          <a:p>
+            <a:r>
+              <a:rPr lang="ja-JP" altLang="en-US" sz="1800" dirty="0"/>
+              <a:t>下記について，それぞれ知っているかどうかを </a:t>
+            </a:r>
+            <a:r>
+              <a:rPr lang="en-US" altLang="ja-JP" sz="1800" dirty="0"/>
+              <a:t>LMS </a:t>
+            </a:r>
+            <a:r>
+              <a:rPr lang="ja-JP" altLang="en-US" sz="1800" dirty="0"/>
+              <a:t>の出席欄に書いて下さい</a:t>
+            </a:r>
+            <a:endParaRPr lang="en-US" altLang="ja-JP" sz="1800" dirty="0"/>
           </a:p>
           <a:p>
             <a:pPr marL="817200" lvl="1" indent="-457200">
@@ -4401,10 +4750,10 @@
               <a:buAutoNum type="arabicPeriod"/>
             </a:pPr>
             <a:r>
-              <a:rPr lang="ja-JP" altLang="en-US" dirty="0"/>
-              <a:t>命令とは何か</a:t>
-            </a:r>
-            <a:endParaRPr lang="en-US" altLang="ja-JP" dirty="0"/>
+              <a:rPr lang="ja-JP" altLang="en-US" sz="1800" dirty="0"/>
+              <a:t>組み合わせ回路と順序回路</a:t>
+            </a:r>
+            <a:endParaRPr lang="en-US" altLang="ja-JP" sz="1800" dirty="0"/>
           </a:p>
           <a:p>
             <a:pPr marL="817200" lvl="1" indent="-457200">
@@ -4412,18 +4761,10 @@
               <a:buAutoNum type="arabicPeriod"/>
             </a:pPr>
             <a:r>
-              <a:rPr lang="ja-JP" altLang="en-US" dirty="0"/>
-              <a:t>１サイクルで命令を処理する </a:t>
-            </a:r>
-            <a:r>
-              <a:rPr lang="en-US" altLang="ja-JP" dirty="0"/>
-              <a:t>CPU </a:t>
-            </a:r>
-            <a:r>
-              <a:rPr lang="ja-JP" altLang="en-US" dirty="0"/>
-              <a:t>の動作</a:t>
-            </a:r>
-            <a:endParaRPr lang="en-US" altLang="ja-JP" dirty="0"/>
+              <a:rPr lang="ja-JP" altLang="en-US" sz="1800" dirty="0"/>
+              <a:t>命令とは何か</a:t>
+            </a:r>
+            <a:endParaRPr lang="en-US" altLang="ja-JP" sz="1800" dirty="0"/>
           </a:p>
           <a:p>
             <a:pPr marL="817200" lvl="1" indent="-457200">
@@ -4431,10 +4772,10 @@
               <a:buAutoNum type="arabicPeriod"/>
             </a:pPr>
             <a:r>
-              <a:rPr lang="ja-JP" altLang="en-US" dirty="0"/>
+              <a:rPr lang="ja-JP" altLang="en-US" sz="1800" dirty="0"/>
               <a:t>命令パイプライン</a:t>
             </a:r>
-            <a:endParaRPr lang="en-US" altLang="ja-JP" dirty="0"/>
+            <a:endParaRPr lang="en-US" altLang="ja-JP" sz="1800" dirty="0"/>
           </a:p>
           <a:p>
             <a:pPr marL="817200" lvl="1" indent="-457200">
@@ -4442,10 +4783,10 @@
               <a:buAutoNum type="arabicPeriod"/>
             </a:pPr>
             <a:r>
-              <a:rPr lang="ja-JP" altLang="en-US" dirty="0"/>
+              <a:rPr lang="ja-JP" altLang="en-US" sz="1800" dirty="0"/>
               <a:t>キャッシュ</a:t>
             </a:r>
-            <a:endParaRPr lang="en-US" altLang="ja-JP" dirty="0"/>
+            <a:endParaRPr lang="en-US" altLang="ja-JP" sz="1800" dirty="0"/>
           </a:p>
           <a:p>
             <a:pPr marL="817200" lvl="1" indent="-457200">
@@ -4453,40 +4794,41 @@
               <a:buAutoNum type="arabicPeriod"/>
             </a:pPr>
             <a:r>
-              <a:rPr lang="ja-JP" altLang="en-US" dirty="0"/>
+              <a:rPr lang="ja-JP" altLang="en-US" sz="1800" dirty="0"/>
               <a:t>スーパスカラ</a:t>
             </a:r>
-            <a:endParaRPr lang="en-US" altLang="ja-JP" dirty="0"/>
-          </a:p>
-          <a:p>
-            <a:pPr marL="817200" lvl="1" indent="-457200">
-              <a:buFont typeface="+mj-lt"/>
-              <a:buAutoNum type="arabicPeriod"/>
-            </a:pPr>
-            <a:r>
-              <a:rPr lang="en-US" altLang="ja-JP" dirty="0"/>
-              <a:t>SRAM </a:t>
-            </a:r>
-            <a:r>
-              <a:rPr lang="ja-JP" altLang="en-US" dirty="0"/>
-              <a:t>や </a:t>
-            </a:r>
-            <a:r>
-              <a:rPr lang="en-US" altLang="ja-JP" dirty="0"/>
-              <a:t>DRAM </a:t>
-            </a:r>
-            <a:r>
-              <a:rPr lang="ja-JP" altLang="en-US" dirty="0"/>
-              <a:t>の構造と仕組み</a:t>
-            </a:r>
-            <a:endParaRPr lang="en-US" altLang="ja-JP" dirty="0"/>
-          </a:p>
-          <a:p>
-            <a:r>
-              <a:rPr lang="ja-JP" altLang="en-US"/>
-              <a:t>（この講義は上記があんまわかってない人向けの説明から始まっています</a:t>
-            </a:r>
-            <a:endParaRPr lang="en-US" altLang="ja-JP" dirty="0"/>
+            <a:endParaRPr lang="en-US" altLang="ja-JP" sz="1800" dirty="0"/>
+          </a:p>
+          <a:p>
+            <a:r>
+              <a:rPr lang="ja-JP" altLang="en-US" sz="1800" dirty="0"/>
+              <a:t>注意：</a:t>
+            </a:r>
+            <a:endParaRPr lang="en-US" altLang="ja-JP" sz="1800" dirty="0"/>
+          </a:p>
+          <a:p>
+            <a:pPr lvl="1"/>
+            <a:r>
+              <a:rPr lang="ja-JP" altLang="en-US" sz="1800" dirty="0"/>
+              <a:t>回答は「わかる」「聞いたことがある」「しらない 」等でお願いします</a:t>
+            </a:r>
+            <a:endParaRPr lang="en-US" altLang="ja-JP" sz="1800" dirty="0"/>
+          </a:p>
+          <a:p>
+            <a:pPr lvl="1"/>
+            <a:r>
+              <a:rPr lang="ja-JP" altLang="en-US" sz="1800" dirty="0"/>
+              <a:t>この講義は上記があんまわかってない人向けの説明から始まります</a:t>
+            </a:r>
+            <a:endParaRPr lang="en-US" altLang="ja-JP" sz="1800" dirty="0"/>
+          </a:p>
+          <a:p>
+            <a:pPr lvl="1"/>
+            <a:r>
+              <a:rPr lang="ja-JP" altLang="en-US" sz="1800" dirty="0"/>
+              <a:t>その他コメントや，「こう言う話題も取り上げて欲しい」や質問などもあればお願いします</a:t>
+            </a:r>
+            <a:endParaRPr lang="en-US" altLang="ja-JP" sz="1800" dirty="0"/>
           </a:p>
         </p:txBody>
       </p:sp>
@@ -4730,10 +5072,7 @@
             <a:endParaRPr lang="en-US" altLang="ja-JP" dirty="0"/>
           </a:p>
           <a:p>
-            <a:pPr marL="817200" lvl="1" indent="-457200">
-              <a:buFont typeface="+mj-lt"/>
-              <a:buAutoNum type="arabicPeriod"/>
-            </a:pPr>
+            <a:pPr lvl="1"/>
             <a:r>
               <a:rPr lang="ja-JP" altLang="en-US" dirty="0"/>
               <a:t>スーパーコンピュータはパソコンの上位互換なのか？</a:t>
@@ -4768,10 +5107,7 @@
             <a:endParaRPr lang="en-US" altLang="ja-JP" dirty="0"/>
           </a:p>
           <a:p>
-            <a:pPr marL="817200" lvl="1" indent="-457200">
-              <a:buFont typeface="+mj-lt"/>
-              <a:buAutoNum type="arabicPeriod"/>
-            </a:pPr>
+            <a:pPr lvl="1"/>
             <a:r>
               <a:rPr lang="ja-JP" altLang="en-US" dirty="0"/>
               <a:t>そもそも「専用」のマシンだとなぜ速いのか？</a:t>
@@ -4826,402 +5162,6 @@
       <p:transition/>
     </mc:Fallback>
   </mc:AlternateContent>
-  <p:timing>
-    <p:tnLst>
-      <p:par>
-        <p:cTn id="1" dur="indefinite" restart="never" nodeType="tmRoot">
-          <p:childTnLst>
-            <p:seq concurrent="1" nextAc="seek">
-              <p:cTn id="2" dur="indefinite" nodeType="mainSeq">
-                <p:childTnLst>
-                  <p:par>
-                    <p:cTn id="3" fill="hold">
-                      <p:stCondLst>
-                        <p:cond delay="indefinite"/>
-                      </p:stCondLst>
-                      <p:childTnLst>
-                        <p:par>
-                          <p:cTn id="4" fill="hold">
-                            <p:stCondLst>
-                              <p:cond delay="0"/>
-                            </p:stCondLst>
-                            <p:childTnLst>
-                              <p:par>
-                                <p:cTn id="5" presetID="22" presetClass="entr" presetSubtype="8" fill="hold" nodeType="clickEffect">
-                                  <p:stCondLst>
-                                    <p:cond delay="0"/>
-                                  </p:stCondLst>
-                                  <p:childTnLst>
-                                    <p:set>
-                                      <p:cBhvr>
-                                        <p:cTn id="6" dur="1" fill="hold">
-                                          <p:stCondLst>
-                                            <p:cond delay="0"/>
-                                          </p:stCondLst>
-                                        </p:cTn>
-                                        <p:tgtEl>
-                                          <p:spTgt spid="3">
-                                            <p:txEl>
-                                              <p:pRg st="0" end="0"/>
-                                            </p:txEl>
-                                          </p:spTgt>
-                                        </p:tgtEl>
-                                        <p:attrNameLst>
-                                          <p:attrName>style.visibility</p:attrName>
-                                        </p:attrNameLst>
-                                      </p:cBhvr>
-                                      <p:to>
-                                        <p:strVal val="visible"/>
-                                      </p:to>
-                                    </p:set>
-                                    <p:animEffect transition="in" filter="wipe(left)">
-                                      <p:cBhvr>
-                                        <p:cTn id="7" dur="500"/>
-                                        <p:tgtEl>
-                                          <p:spTgt spid="3">
-                                            <p:txEl>
-                                              <p:pRg st="0" end="0"/>
-                                            </p:txEl>
-                                          </p:spTgt>
-                                        </p:tgtEl>
-                                      </p:cBhvr>
-                                    </p:animEffect>
-                                  </p:childTnLst>
-                                </p:cTn>
-                              </p:par>
-                            </p:childTnLst>
-                          </p:cTn>
-                        </p:par>
-                      </p:childTnLst>
-                    </p:cTn>
-                  </p:par>
-                  <p:par>
-                    <p:cTn id="8" fill="hold">
-                      <p:stCondLst>
-                        <p:cond delay="indefinite"/>
-                      </p:stCondLst>
-                      <p:childTnLst>
-                        <p:par>
-                          <p:cTn id="9" fill="hold">
-                            <p:stCondLst>
-                              <p:cond delay="0"/>
-                            </p:stCondLst>
-                            <p:childTnLst>
-                              <p:par>
-                                <p:cTn id="10" presetID="22" presetClass="entr" presetSubtype="8" fill="hold" nodeType="clickEffect">
-                                  <p:stCondLst>
-                                    <p:cond delay="0"/>
-                                  </p:stCondLst>
-                                  <p:childTnLst>
-                                    <p:set>
-                                      <p:cBhvr>
-                                        <p:cTn id="11" dur="1" fill="hold">
-                                          <p:stCondLst>
-                                            <p:cond delay="0"/>
-                                          </p:stCondLst>
-                                        </p:cTn>
-                                        <p:tgtEl>
-                                          <p:spTgt spid="3">
-                                            <p:txEl>
-                                              <p:pRg st="1" end="1"/>
-                                            </p:txEl>
-                                          </p:spTgt>
-                                        </p:tgtEl>
-                                        <p:attrNameLst>
-                                          <p:attrName>style.visibility</p:attrName>
-                                        </p:attrNameLst>
-                                      </p:cBhvr>
-                                      <p:to>
-                                        <p:strVal val="visible"/>
-                                      </p:to>
-                                    </p:set>
-                                    <p:animEffect transition="in" filter="wipe(left)">
-                                      <p:cBhvr>
-                                        <p:cTn id="12" dur="500"/>
-                                        <p:tgtEl>
-                                          <p:spTgt spid="3">
-                                            <p:txEl>
-                                              <p:pRg st="1" end="1"/>
-                                            </p:txEl>
-                                          </p:spTgt>
-                                        </p:tgtEl>
-                                      </p:cBhvr>
-                                    </p:animEffect>
-                                  </p:childTnLst>
-                                </p:cTn>
-                              </p:par>
-                            </p:childTnLst>
-                          </p:cTn>
-                        </p:par>
-                      </p:childTnLst>
-                    </p:cTn>
-                  </p:par>
-                  <p:par>
-                    <p:cTn id="13" fill="hold">
-                      <p:stCondLst>
-                        <p:cond delay="indefinite"/>
-                      </p:stCondLst>
-                      <p:childTnLst>
-                        <p:par>
-                          <p:cTn id="14" fill="hold">
-                            <p:stCondLst>
-                              <p:cond delay="0"/>
-                            </p:stCondLst>
-                            <p:childTnLst>
-                              <p:par>
-                                <p:cTn id="15" presetID="22" presetClass="entr" presetSubtype="8" fill="hold" nodeType="clickEffect">
-                                  <p:stCondLst>
-                                    <p:cond delay="0"/>
-                                  </p:stCondLst>
-                                  <p:childTnLst>
-                                    <p:set>
-                                      <p:cBhvr>
-                                        <p:cTn id="16" dur="1" fill="hold">
-                                          <p:stCondLst>
-                                            <p:cond delay="0"/>
-                                          </p:stCondLst>
-                                        </p:cTn>
-                                        <p:tgtEl>
-                                          <p:spTgt spid="3">
-                                            <p:txEl>
-                                              <p:pRg st="2" end="2"/>
-                                            </p:txEl>
-                                          </p:spTgt>
-                                        </p:tgtEl>
-                                        <p:attrNameLst>
-                                          <p:attrName>style.visibility</p:attrName>
-                                        </p:attrNameLst>
-                                      </p:cBhvr>
-                                      <p:to>
-                                        <p:strVal val="visible"/>
-                                      </p:to>
-                                    </p:set>
-                                    <p:animEffect transition="in" filter="wipe(left)">
-                                      <p:cBhvr>
-                                        <p:cTn id="17" dur="500"/>
-                                        <p:tgtEl>
-                                          <p:spTgt spid="3">
-                                            <p:txEl>
-                                              <p:pRg st="2" end="2"/>
-                                            </p:txEl>
-                                          </p:spTgt>
-                                        </p:tgtEl>
-                                      </p:cBhvr>
-                                    </p:animEffect>
-                                  </p:childTnLst>
-                                </p:cTn>
-                              </p:par>
-                            </p:childTnLst>
-                          </p:cTn>
-                        </p:par>
-                      </p:childTnLst>
-                    </p:cTn>
-                  </p:par>
-                  <p:par>
-                    <p:cTn id="18" fill="hold">
-                      <p:stCondLst>
-                        <p:cond delay="indefinite"/>
-                      </p:stCondLst>
-                      <p:childTnLst>
-                        <p:par>
-                          <p:cTn id="19" fill="hold">
-                            <p:stCondLst>
-                              <p:cond delay="0"/>
-                            </p:stCondLst>
-                            <p:childTnLst>
-                              <p:par>
-                                <p:cTn id="20" presetID="22" presetClass="entr" presetSubtype="8" fill="hold" nodeType="clickEffect">
-                                  <p:stCondLst>
-                                    <p:cond delay="0"/>
-                                  </p:stCondLst>
-                                  <p:childTnLst>
-                                    <p:set>
-                                      <p:cBhvr>
-                                        <p:cTn id="21" dur="1" fill="hold">
-                                          <p:stCondLst>
-                                            <p:cond delay="0"/>
-                                          </p:stCondLst>
-                                        </p:cTn>
-                                        <p:tgtEl>
-                                          <p:spTgt spid="3">
-                                            <p:txEl>
-                                              <p:pRg st="3" end="3"/>
-                                            </p:txEl>
-                                          </p:spTgt>
-                                        </p:tgtEl>
-                                        <p:attrNameLst>
-                                          <p:attrName>style.visibility</p:attrName>
-                                        </p:attrNameLst>
-                                      </p:cBhvr>
-                                      <p:to>
-                                        <p:strVal val="visible"/>
-                                      </p:to>
-                                    </p:set>
-                                    <p:animEffect transition="in" filter="wipe(left)">
-                                      <p:cBhvr>
-                                        <p:cTn id="22" dur="500"/>
-                                        <p:tgtEl>
-                                          <p:spTgt spid="3">
-                                            <p:txEl>
-                                              <p:pRg st="3" end="3"/>
-                                            </p:txEl>
-                                          </p:spTgt>
-                                        </p:tgtEl>
-                                      </p:cBhvr>
-                                    </p:animEffect>
-                                  </p:childTnLst>
-                                </p:cTn>
-                              </p:par>
-                            </p:childTnLst>
-                          </p:cTn>
-                        </p:par>
-                      </p:childTnLst>
-                    </p:cTn>
-                  </p:par>
-                  <p:par>
-                    <p:cTn id="23" fill="hold">
-                      <p:stCondLst>
-                        <p:cond delay="indefinite"/>
-                      </p:stCondLst>
-                      <p:childTnLst>
-                        <p:par>
-                          <p:cTn id="24" fill="hold">
-                            <p:stCondLst>
-                              <p:cond delay="0"/>
-                            </p:stCondLst>
-                            <p:childTnLst>
-                              <p:par>
-                                <p:cTn id="25" presetID="22" presetClass="entr" presetSubtype="8" fill="hold" nodeType="clickEffect">
-                                  <p:stCondLst>
-                                    <p:cond delay="0"/>
-                                  </p:stCondLst>
-                                  <p:childTnLst>
-                                    <p:set>
-                                      <p:cBhvr>
-                                        <p:cTn id="26" dur="1" fill="hold">
-                                          <p:stCondLst>
-                                            <p:cond delay="0"/>
-                                          </p:stCondLst>
-                                        </p:cTn>
-                                        <p:tgtEl>
-                                          <p:spTgt spid="3">
-                                            <p:txEl>
-                                              <p:pRg st="4" end="4"/>
-                                            </p:txEl>
-                                          </p:spTgt>
-                                        </p:tgtEl>
-                                        <p:attrNameLst>
-                                          <p:attrName>style.visibility</p:attrName>
-                                        </p:attrNameLst>
-                                      </p:cBhvr>
-                                      <p:to>
-                                        <p:strVal val="visible"/>
-                                      </p:to>
-                                    </p:set>
-                                    <p:animEffect transition="in" filter="wipe(left)">
-                                      <p:cBhvr>
-                                        <p:cTn id="27" dur="500"/>
-                                        <p:tgtEl>
-                                          <p:spTgt spid="3">
-                                            <p:txEl>
-                                              <p:pRg st="4" end="4"/>
-                                            </p:txEl>
-                                          </p:spTgt>
-                                        </p:tgtEl>
-                                      </p:cBhvr>
-                                    </p:animEffect>
-                                  </p:childTnLst>
-                                </p:cTn>
-                              </p:par>
-                            </p:childTnLst>
-                          </p:cTn>
-                        </p:par>
-                      </p:childTnLst>
-                    </p:cTn>
-                  </p:par>
-                  <p:par>
-                    <p:cTn id="28" fill="hold">
-                      <p:stCondLst>
-                        <p:cond delay="indefinite"/>
-                      </p:stCondLst>
-                      <p:childTnLst>
-                        <p:par>
-                          <p:cTn id="29" fill="hold">
-                            <p:stCondLst>
-                              <p:cond delay="0"/>
-                            </p:stCondLst>
-                            <p:childTnLst>
-                              <p:par>
-                                <p:cTn id="30" presetID="22" presetClass="entr" presetSubtype="8" fill="hold" nodeType="clickEffect">
-                                  <p:stCondLst>
-                                    <p:cond delay="0"/>
-                                  </p:stCondLst>
-                                  <p:childTnLst>
-                                    <p:set>
-                                      <p:cBhvr>
-                                        <p:cTn id="31" dur="1" fill="hold">
-                                          <p:stCondLst>
-                                            <p:cond delay="0"/>
-                                          </p:stCondLst>
-                                        </p:cTn>
-                                        <p:tgtEl>
-                                          <p:spTgt spid="3">
-                                            <p:txEl>
-                                              <p:pRg st="5" end="5"/>
-                                            </p:txEl>
-                                          </p:spTgt>
-                                        </p:tgtEl>
-                                        <p:attrNameLst>
-                                          <p:attrName>style.visibility</p:attrName>
-                                        </p:attrNameLst>
-                                      </p:cBhvr>
-                                      <p:to>
-                                        <p:strVal val="visible"/>
-                                      </p:to>
-                                    </p:set>
-                                    <p:animEffect transition="in" filter="wipe(left)">
-                                      <p:cBhvr>
-                                        <p:cTn id="32" dur="500"/>
-                                        <p:tgtEl>
-                                          <p:spTgt spid="3">
-                                            <p:txEl>
-                                              <p:pRg st="5" end="5"/>
-                                            </p:txEl>
-                                          </p:spTgt>
-                                        </p:tgtEl>
-                                      </p:cBhvr>
-                                    </p:animEffect>
-                                  </p:childTnLst>
-                                </p:cTn>
-                              </p:par>
-                            </p:childTnLst>
-                          </p:cTn>
-                        </p:par>
-                      </p:childTnLst>
-                    </p:cTn>
-                  </p:par>
-                </p:childTnLst>
-              </p:cTn>
-              <p:prevCondLst>
-                <p:cond evt="onPrev" delay="0">
-                  <p:tgtEl>
-                    <p:sldTgt/>
-                  </p:tgtEl>
-                </p:cond>
-              </p:prevCondLst>
-              <p:nextCondLst>
-                <p:cond evt="onNext" delay="0">
-                  <p:tgtEl>
-                    <p:sldTgt/>
-                  </p:tgtEl>
-                </p:cond>
-              </p:nextCondLst>
-            </p:seq>
-          </p:childTnLst>
-        </p:cTn>
-      </p:par>
-    </p:tnLst>
-  </p:timing>
 </p:sld>
 </file>
 
@@ -5319,6 +5259,29 @@
             <a:r>
               <a:rPr lang="ja-JP" altLang="en-US" dirty="0"/>
               <a:t>２回目ぐらいまでは学部の講義レベルぐらいの復習</a:t>
+            </a:r>
+            <a:endParaRPr lang="en-US" altLang="ja-JP" dirty="0"/>
+          </a:p>
+          <a:p>
+            <a:pPr lvl="1"/>
+            <a:r>
+              <a:rPr lang="ja-JP" altLang="en-US" dirty="0"/>
+              <a:t>できれば </a:t>
+            </a:r>
+            <a:r>
+              <a:rPr lang="en-US" altLang="ja-JP" dirty="0"/>
+              <a:t>C </a:t>
+            </a:r>
+            <a:r>
+              <a:rPr lang="ja-JP" altLang="en-US" dirty="0"/>
+              <a:t>言語と論理回路の基本がわかっていると良いが，</a:t>
+            </a:r>
+            <a:br>
+              <a:rPr lang="en-US" altLang="ja-JP" dirty="0"/>
+            </a:br>
+            <a:r>
+              <a:rPr lang="ja-JP" altLang="en-US" dirty="0"/>
+              <a:t>わかってなくてもなんとかなると思う</a:t>
             </a:r>
           </a:p>
         </p:txBody>
@@ -6299,7 +6262,7 @@
             <a:avLst/>
           </a:prstGeom>
           <a:solidFill>
-            <a:schemeClr val="accent5"/>
+            <a:schemeClr val="accent1"/>
           </a:solidFill>
           <a:ln>
             <a:noFill/>
@@ -6330,14 +6293,14 @@
           <a:p>
             <a:pPr algn="ctr"/>
             <a:r>
-              <a:rPr kumimoji="1" lang="ja-JP" altLang="en-US" dirty="0">
+              <a:rPr kumimoji="1" lang="ja-JP" altLang="en-US" sz="1600" dirty="0">
                 <a:solidFill>
                   <a:schemeClr val="bg1"/>
                 </a:solidFill>
               </a:rPr>
               <a:t>システム・ソフトウェア</a:t>
             </a:r>
-            <a:endParaRPr kumimoji="1" lang="en-US" altLang="ja-JP" dirty="0">
+            <a:endParaRPr kumimoji="1" lang="en-US" altLang="ja-JP" sz="1600" dirty="0">
               <a:solidFill>
                 <a:schemeClr val="bg1"/>
               </a:solidFill>
@@ -6346,7 +6309,7 @@
           <a:p>
             <a:pPr algn="ctr"/>
             <a:r>
-              <a:rPr kumimoji="1" lang="en-US" altLang="ja-JP" dirty="0">
+              <a:rPr kumimoji="1" lang="en-US" altLang="ja-JP" sz="1600" dirty="0">
                 <a:solidFill>
                   <a:schemeClr val="bg1"/>
                 </a:solidFill>
@@ -6354,7 +6317,7 @@
               <a:t>OS / </a:t>
             </a:r>
             <a:r>
-              <a:rPr kumimoji="1" lang="ja-JP" altLang="en-US" dirty="0">
+              <a:rPr kumimoji="1" lang="ja-JP" altLang="en-US" sz="1600" dirty="0">
                 <a:solidFill>
                   <a:schemeClr val="bg1"/>
                 </a:solidFill>
@@ -6362,7 +6325,7 @@
               <a:t>コンパイラ </a:t>
             </a:r>
             <a:r>
-              <a:rPr kumimoji="1" lang="en-US" altLang="ja-JP" dirty="0">
+              <a:rPr kumimoji="1" lang="en-US" altLang="ja-JP" sz="1600" dirty="0">
                 <a:solidFill>
                   <a:schemeClr val="bg1"/>
                 </a:solidFill>
@@ -6370,7 +6333,7 @@
               <a:t>/ </a:t>
             </a:r>
             <a:r>
-              <a:rPr kumimoji="1" lang="ja-JP" altLang="en-US" dirty="0">
+              <a:rPr kumimoji="1" lang="ja-JP" altLang="en-US" sz="1600" dirty="0">
                 <a:solidFill>
                   <a:schemeClr val="bg1"/>
                 </a:solidFill>
@@ -6390,78 +6353,6 @@
           <a:xfrm>
             <a:off x="1601967" y="3248998"/>
             <a:ext cx="6120392" cy="1170011"/>
-          </a:xfrm>
-          <a:prstGeom prst="roundRect">
-            <a:avLst/>
-          </a:prstGeom>
-          <a:solidFill>
-            <a:schemeClr val="accent6"/>
-          </a:solidFill>
-          <a:ln>
-            <a:noFill/>
-            <a:headEnd/>
-            <a:tailEnd type="triangle" w="sm" len="med"/>
-          </a:ln>
-          <a:effectLst>
-            <a:softEdge rad="152400"/>
-          </a:effectLst>
-        </p:spPr>
-        <p:style>
-          <a:lnRef idx="2">
-            <a:schemeClr val="dk1"/>
-          </a:lnRef>
-          <a:fillRef idx="1">
-            <a:schemeClr val="lt1"/>
-          </a:fillRef>
-          <a:effectRef idx="0">
-            <a:schemeClr val="dk1"/>
-          </a:effectRef>
-          <a:fontRef idx="minor">
-            <a:schemeClr val="dk1"/>
-          </a:fontRef>
-        </p:style>
-        <p:txBody>
-          <a:bodyPr rtlCol="0" anchor="ctr"/>
-          <a:lstStyle/>
-          <a:p>
-            <a:pPr algn="ctr"/>
-            <a:r>
-              <a:rPr lang="ja-JP" altLang="en-US" sz="3200" b="1" dirty="0">
-                <a:solidFill>
-                  <a:schemeClr val="bg1"/>
-                </a:solidFill>
-              </a:rPr>
-              <a:t>ここ→ </a:t>
-            </a:r>
-            <a:r>
-              <a:rPr lang="ja-JP" altLang="en-US" sz="2400" b="1" dirty="0">
-                <a:solidFill>
-                  <a:schemeClr val="bg1"/>
-                </a:solidFill>
-              </a:rPr>
-              <a:t>コンピュータ</a:t>
-            </a:r>
-            <a:r>
-              <a:rPr kumimoji="1" lang="ja-JP" altLang="en-US" sz="2400" b="1" dirty="0">
-                <a:solidFill>
-                  <a:schemeClr val="bg1"/>
-                </a:solidFill>
-              </a:rPr>
-              <a:t>・アーキテクチャ</a:t>
-            </a:r>
-          </a:p>
-        </p:txBody>
-      </p:sp>
-      <p:sp>
-        <p:nvSpPr>
-          <p:cNvPr id="6" name="角丸四角形 5"/>
-          <p:cNvSpPr/>
-          <p:nvPr/>
-        </p:nvSpPr>
-        <p:spPr bwMode="auto">
-          <a:xfrm>
-            <a:off x="1601967" y="1088974"/>
-            <a:ext cx="6120392" cy="1170013"/>
           </a:xfrm>
           <a:prstGeom prst="roundRect">
             <a:avLst/>
@@ -6498,151 +6389,48 @@
           <a:p>
             <a:pPr algn="ctr"/>
             <a:r>
-              <a:rPr kumimoji="1" lang="ja-JP" altLang="en-US" dirty="0">
+              <a:rPr lang="ja-JP" altLang="en-US" sz="3200" b="1" dirty="0">
                 <a:solidFill>
                   <a:schemeClr val="bg1"/>
                 </a:solidFill>
               </a:rPr>
-              <a:t>アプリケーション・ソフトウェア</a:t>
-            </a:r>
-            <a:endParaRPr kumimoji="1" lang="en-US" altLang="ja-JP" dirty="0">
-              <a:solidFill>
-                <a:schemeClr val="bg1"/>
-              </a:solidFill>
-            </a:endParaRPr>
-          </a:p>
-          <a:p>
-            <a:pPr algn="ctr"/>
-            <a:r>
-              <a:rPr lang="ja-JP" altLang="en-US" dirty="0">
+              <a:t>ここ→ </a:t>
+            </a:r>
+            <a:r>
+              <a:rPr lang="ja-JP" altLang="en-US" sz="2400" b="1" dirty="0">
                 <a:solidFill>
                   <a:schemeClr val="bg1"/>
                 </a:solidFill>
               </a:rPr>
-              <a:t>画像処理 </a:t>
-            </a:r>
-            <a:r>
-              <a:rPr lang="en-US" altLang="ja-JP" dirty="0">
+              <a:t>コンピュータ</a:t>
+            </a:r>
+            <a:r>
+              <a:rPr kumimoji="1" lang="ja-JP" altLang="en-US" sz="2400" b="1" dirty="0">
                 <a:solidFill>
                   <a:schemeClr val="bg1"/>
                 </a:solidFill>
               </a:rPr>
-              <a:t>/ </a:t>
-            </a:r>
-            <a:r>
-              <a:rPr lang="ja-JP" altLang="en-US" dirty="0">
-                <a:solidFill>
-                  <a:schemeClr val="bg1"/>
-                </a:solidFill>
-              </a:rPr>
-              <a:t>音声認識 </a:t>
-            </a:r>
-            <a:r>
-              <a:rPr lang="en-US" altLang="ja-JP" dirty="0">
-                <a:solidFill>
-                  <a:schemeClr val="bg1"/>
-                </a:solidFill>
-              </a:rPr>
-              <a:t>/ </a:t>
-            </a:r>
-            <a:r>
-              <a:rPr lang="ja-JP" altLang="en-US" dirty="0">
-                <a:solidFill>
-                  <a:schemeClr val="bg1"/>
-                </a:solidFill>
-              </a:rPr>
-              <a:t>言語処理 </a:t>
-            </a:r>
-            <a:r>
-              <a:rPr lang="en-US" altLang="ja-JP" dirty="0">
-                <a:solidFill>
-                  <a:schemeClr val="bg1"/>
-                </a:solidFill>
-              </a:rPr>
-              <a:t>/ </a:t>
-            </a:r>
-            <a:r>
-              <a:rPr lang="ja-JP" altLang="en-US" dirty="0">
-                <a:solidFill>
-                  <a:schemeClr val="bg1"/>
-                </a:solidFill>
-              </a:rPr>
-              <a:t>機械制御 </a:t>
-            </a:r>
-            <a:endParaRPr lang="en-US" altLang="ja-JP" dirty="0">
-              <a:solidFill>
-                <a:schemeClr val="bg1"/>
-              </a:solidFill>
-            </a:endParaRPr>
-          </a:p>
-          <a:p>
-            <a:pPr algn="ctr"/>
-            <a:r>
-              <a:rPr lang="en-US" altLang="ja-JP" dirty="0">
-                <a:solidFill>
-                  <a:schemeClr val="bg1"/>
-                </a:solidFill>
-              </a:rPr>
-              <a:t>WEB </a:t>
-            </a:r>
-            <a:r>
-              <a:rPr lang="ja-JP" altLang="en-US" dirty="0">
-                <a:solidFill>
-                  <a:schemeClr val="bg1"/>
-                </a:solidFill>
-              </a:rPr>
-              <a:t>サービス </a:t>
-            </a:r>
-            <a:r>
-              <a:rPr lang="en-US" altLang="ja-JP" dirty="0">
-                <a:solidFill>
-                  <a:schemeClr val="bg1"/>
-                </a:solidFill>
-              </a:rPr>
-              <a:t>/ </a:t>
-            </a:r>
-            <a:r>
-              <a:rPr lang="ja-JP" altLang="en-US" dirty="0">
-                <a:solidFill>
-                  <a:schemeClr val="bg1"/>
-                </a:solidFill>
-              </a:rPr>
-              <a:t>暗号　</a:t>
-            </a:r>
-            <a:r>
-              <a:rPr lang="en-US" altLang="ja-JP" dirty="0">
-                <a:solidFill>
-                  <a:schemeClr val="bg1"/>
-                </a:solidFill>
-              </a:rPr>
-              <a:t>…</a:t>
-            </a:r>
-            <a:endParaRPr kumimoji="1" lang="en-US" altLang="ja-JP" dirty="0">
-              <a:solidFill>
-                <a:schemeClr val="bg1"/>
-              </a:solidFill>
-            </a:endParaRPr>
+              <a:t>・アーキテクチャ</a:t>
+            </a:r>
           </a:p>
         </p:txBody>
       </p:sp>
       <p:sp>
         <p:nvSpPr>
-          <p:cNvPr id="7" name="角丸四角形 6"/>
+          <p:cNvPr id="6" name="角丸四角形 5"/>
           <p:cNvSpPr/>
           <p:nvPr/>
         </p:nvSpPr>
         <p:spPr bwMode="auto">
           <a:xfrm>
-            <a:off x="1601967" y="4329010"/>
-            <a:ext cx="6120392" cy="1080119"/>
+            <a:off x="1601967" y="1088974"/>
+            <a:ext cx="6120392" cy="1170013"/>
           </a:xfrm>
           <a:prstGeom prst="roundRect">
             <a:avLst/>
           </a:prstGeom>
           <a:solidFill>
-            <a:schemeClr val="accent3">
-              <a:lumMod val="75000"/>
-            </a:schemeClr>
+            <a:schemeClr val="accent1"/>
           </a:solidFill>
           <a:ln>
             <a:noFill/>
@@ -6673,34 +6461,149 @@
           <a:p>
             <a:pPr algn="ctr"/>
             <a:r>
-              <a:rPr kumimoji="1" lang="ja-JP" altLang="en-US" sz="2400" dirty="0">
+              <a:rPr kumimoji="1" lang="ja-JP" altLang="en-US" sz="1600" dirty="0">
                 <a:solidFill>
                   <a:schemeClr val="bg1"/>
                 </a:solidFill>
               </a:rPr>
-              <a:t>論理回路</a:t>
-            </a:r>
+              <a:t>アプリケーション・ソフトウェア</a:t>
+            </a:r>
+            <a:endParaRPr kumimoji="1" lang="en-US" altLang="ja-JP" sz="1600" dirty="0">
+              <a:solidFill>
+                <a:schemeClr val="bg1"/>
+              </a:solidFill>
+            </a:endParaRPr>
+          </a:p>
+          <a:p>
+            <a:pPr algn="ctr"/>
+            <a:r>
+              <a:rPr lang="ja-JP" altLang="en-US" sz="1600" dirty="0">
+                <a:solidFill>
+                  <a:schemeClr val="bg1"/>
+                </a:solidFill>
+              </a:rPr>
+              <a:t>画像処理 </a:t>
+            </a:r>
+            <a:r>
+              <a:rPr lang="en-US" altLang="ja-JP" sz="1600" dirty="0">
+                <a:solidFill>
+                  <a:schemeClr val="bg1"/>
+                </a:solidFill>
+              </a:rPr>
+              <a:t>/ </a:t>
+            </a:r>
+            <a:r>
+              <a:rPr lang="ja-JP" altLang="en-US" sz="1600" dirty="0">
+                <a:solidFill>
+                  <a:schemeClr val="bg1"/>
+                </a:solidFill>
+              </a:rPr>
+              <a:t>音声認識 </a:t>
+            </a:r>
+            <a:r>
+              <a:rPr lang="en-US" altLang="ja-JP" sz="1600" dirty="0">
+                <a:solidFill>
+                  <a:schemeClr val="bg1"/>
+                </a:solidFill>
+              </a:rPr>
+              <a:t>/ </a:t>
+            </a:r>
+            <a:r>
+              <a:rPr lang="ja-JP" altLang="en-US" sz="1600" dirty="0">
+                <a:solidFill>
+                  <a:schemeClr val="bg1"/>
+                </a:solidFill>
+              </a:rPr>
+              <a:t>言語処理 </a:t>
+            </a:r>
+            <a:r>
+              <a:rPr lang="en-US" altLang="ja-JP" sz="1600" dirty="0">
+                <a:solidFill>
+                  <a:schemeClr val="bg1"/>
+                </a:solidFill>
+              </a:rPr>
+              <a:t>/ </a:t>
+            </a:r>
+            <a:r>
+              <a:rPr lang="ja-JP" altLang="en-US" sz="1600" dirty="0">
+                <a:solidFill>
+                  <a:schemeClr val="bg1"/>
+                </a:solidFill>
+              </a:rPr>
+              <a:t>機械制御 </a:t>
+            </a:r>
+            <a:endParaRPr lang="en-US" altLang="ja-JP" sz="1600" dirty="0">
+              <a:solidFill>
+                <a:schemeClr val="bg1"/>
+              </a:solidFill>
+            </a:endParaRPr>
+          </a:p>
+          <a:p>
+            <a:pPr algn="ctr"/>
+            <a:r>
+              <a:rPr lang="en-US" altLang="ja-JP" sz="1600" dirty="0">
+                <a:solidFill>
+                  <a:schemeClr val="bg1"/>
+                </a:solidFill>
+              </a:rPr>
+              <a:t>WEB </a:t>
+            </a:r>
+            <a:r>
+              <a:rPr lang="ja-JP" altLang="en-US" sz="1600" dirty="0">
+                <a:solidFill>
+                  <a:schemeClr val="bg1"/>
+                </a:solidFill>
+              </a:rPr>
+              <a:t>サービス </a:t>
+            </a:r>
+            <a:r>
+              <a:rPr lang="en-US" altLang="ja-JP" sz="1600" dirty="0">
+                <a:solidFill>
+                  <a:schemeClr val="bg1"/>
+                </a:solidFill>
+              </a:rPr>
+              <a:t>/ </a:t>
+            </a:r>
+            <a:r>
+              <a:rPr lang="ja-JP" altLang="en-US" sz="1600" dirty="0">
+                <a:solidFill>
+                  <a:schemeClr val="bg1"/>
+                </a:solidFill>
+              </a:rPr>
+              <a:t>暗号　</a:t>
+            </a:r>
+            <a:r>
+              <a:rPr lang="en-US" altLang="ja-JP" sz="1600" dirty="0">
+                <a:solidFill>
+                  <a:schemeClr val="bg1"/>
+                </a:solidFill>
+              </a:rPr>
+              <a:t>…</a:t>
+            </a:r>
+            <a:endParaRPr kumimoji="1" lang="en-US" altLang="ja-JP" sz="1600" dirty="0">
+              <a:solidFill>
+                <a:schemeClr val="bg1"/>
+              </a:solidFill>
+            </a:endParaRPr>
           </a:p>
         </p:txBody>
       </p:sp>
       <p:sp>
         <p:nvSpPr>
-          <p:cNvPr id="8" name="角丸四角形 7"/>
+          <p:cNvPr id="7" name="角丸四角形 6"/>
           <p:cNvSpPr/>
           <p:nvPr/>
         </p:nvSpPr>
         <p:spPr bwMode="auto">
           <a:xfrm>
-            <a:off x="1601967" y="5319021"/>
-            <a:ext cx="6120392" cy="1080013"/>
+            <a:off x="1601967" y="4329010"/>
+            <a:ext cx="6120392" cy="1080119"/>
           </a:xfrm>
           <a:prstGeom prst="roundRect">
             <a:avLst/>
           </a:prstGeom>
           <a:solidFill>
-            <a:schemeClr val="accent3">
-              <a:lumMod val="75000"/>
-            </a:schemeClr>
+            <a:schemeClr val="accent4"/>
           </a:solidFill>
           <a:ln>
             <a:noFill/>
@@ -6731,7 +6634,63 @@
           <a:p>
             <a:pPr algn="ctr"/>
             <a:r>
-              <a:rPr kumimoji="1" lang="ja-JP" altLang="en-US" sz="2400" dirty="0">
+              <a:rPr kumimoji="1" lang="ja-JP" altLang="en-US" dirty="0">
+                <a:solidFill>
+                  <a:schemeClr val="bg1"/>
+                </a:solidFill>
+              </a:rPr>
+              <a:t>論理回路</a:t>
+            </a:r>
+          </a:p>
+        </p:txBody>
+      </p:sp>
+      <p:sp>
+        <p:nvSpPr>
+          <p:cNvPr id="8" name="角丸四角形 7"/>
+          <p:cNvSpPr/>
+          <p:nvPr/>
+        </p:nvSpPr>
+        <p:spPr bwMode="auto">
+          <a:xfrm>
+            <a:off x="1601967" y="5319021"/>
+            <a:ext cx="6120392" cy="1080013"/>
+          </a:xfrm>
+          <a:prstGeom prst="roundRect">
+            <a:avLst/>
+          </a:prstGeom>
+          <a:solidFill>
+            <a:schemeClr val="accent4"/>
+          </a:solidFill>
+          <a:ln>
+            <a:noFill/>
+            <a:headEnd/>
+            <a:tailEnd type="triangle" w="sm" len="med"/>
+          </a:ln>
+          <a:effectLst>
+            <a:softEdge rad="152400"/>
+          </a:effectLst>
+        </p:spPr>
+        <p:style>
+          <a:lnRef idx="2">
+            <a:schemeClr val="dk1"/>
+          </a:lnRef>
+          <a:fillRef idx="1">
+            <a:schemeClr val="lt1"/>
+          </a:fillRef>
+          <a:effectRef idx="0">
+            <a:schemeClr val="dk1"/>
+          </a:effectRef>
+          <a:fontRef idx="minor">
+            <a:schemeClr val="dk1"/>
+          </a:fontRef>
+        </p:style>
+        <p:txBody>
+          <a:bodyPr rtlCol="0" anchor="ctr"/>
+          <a:lstStyle/>
+          <a:p>
+            <a:pPr algn="ctr"/>
+            <a:r>
+              <a:rPr kumimoji="1" lang="ja-JP" altLang="en-US" dirty="0">
                 <a:solidFill>
                   <a:schemeClr val="bg1"/>
                 </a:solidFill>
@@ -6739,7 +6698,7 @@
               <a:t>集積回路 </a:t>
             </a:r>
             <a:r>
-              <a:rPr kumimoji="1" lang="en-US" altLang="ja-JP" sz="2400" dirty="0">
+              <a:rPr kumimoji="1" lang="en-US" altLang="ja-JP" dirty="0">
                 <a:solidFill>
                   <a:schemeClr val="bg1"/>
                 </a:solidFill>
@@ -6747,7 +6706,7 @@
               <a:t>/ </a:t>
             </a:r>
             <a:r>
-              <a:rPr kumimoji="1" lang="ja-JP" altLang="en-US" sz="2400" dirty="0">
+              <a:rPr kumimoji="1" lang="ja-JP" altLang="en-US" dirty="0">
                 <a:solidFill>
                   <a:schemeClr val="bg1"/>
                 </a:solidFill>
@@ -6853,7 +6812,7 @@
             <a:pPr lvl="1"/>
             <a:r>
               <a:rPr kumimoji="1" lang="ja-JP" altLang="en-US" dirty="0"/>
-              <a:t>他に，</a:t>
+              <a:t>他に </a:t>
             </a:r>
             <a:r>
               <a:rPr kumimoji="1" lang="en-US" altLang="ja-JP" dirty="0"/>
@@ -6923,12 +6882,16 @@
           <a:p>
             <a:pPr lvl="2"/>
             <a:r>
-              <a:rPr lang="en-US" altLang="ja-JP" dirty="0"/>
+              <a:rPr kumimoji="1" lang="ja-JP" altLang="en-US" dirty="0"/>
+              <a:t>今年は </a:t>
+            </a:r>
+            <a:r>
+              <a:rPr kumimoji="1" lang="en-US" altLang="ja-JP" dirty="0"/>
               <a:t>GPU </a:t>
             </a:r>
             <a:r>
-              <a:rPr lang="ja-JP" altLang="en-US" dirty="0"/>
-              <a:t>とかも触れる予定</a:t>
+              <a:rPr kumimoji="1" lang="ja-JP" altLang="en-US" dirty="0"/>
+              <a:t>について内容を追加予定</a:t>
             </a:r>
             <a:endParaRPr kumimoji="1" lang="en-US" altLang="ja-JP" dirty="0"/>
           </a:p>
@@ -6957,6 +6920,14 @@
             <a:r>
               <a:rPr lang="ja-JP" altLang="en-US" dirty="0"/>
               <a:t>と比較しながら説明</a:t>
+            </a:r>
+            <a:endParaRPr lang="en-US" altLang="ja-JP" dirty="0"/>
+          </a:p>
+          <a:p>
+            <a:pPr lvl="1"/>
+            <a:r>
+              <a:rPr kumimoji="1" lang="ja-JP" altLang="en-US" dirty="0"/>
+              <a:t>セキュリティなどの話題も取り扱う</a:t>
             </a:r>
             <a:endParaRPr kumimoji="1" lang="en-US" altLang="ja-JP" dirty="0"/>
           </a:p>
@@ -7039,30 +7010,30 @@
           <a:lstStyle/>
           <a:p>
             <a:r>
-              <a:rPr lang="en-US" altLang="ja-JP" dirty="0"/>
+              <a:rPr lang="en-US" altLang="ja-JP" sz="1800" dirty="0"/>
               <a:t>CPU</a:t>
             </a:r>
-            <a:endParaRPr lang="ja-JP" altLang="en-US" dirty="0"/>
+            <a:endParaRPr lang="ja-JP" altLang="en-US" sz="1800" dirty="0"/>
           </a:p>
           <a:p>
             <a:pPr lvl="1"/>
             <a:r>
-              <a:rPr lang="en-US" altLang="ja-JP" dirty="0"/>
+              <a:rPr lang="en-US" altLang="ja-JP" sz="1800" dirty="0"/>
               <a:t>CISC / RISC</a:t>
             </a:r>
           </a:p>
           <a:p>
             <a:pPr lvl="1"/>
             <a:r>
-              <a:rPr lang="ja-JP" altLang="en-US" dirty="0"/>
+              <a:rPr lang="ja-JP" altLang="en-US" sz="1800" dirty="0"/>
               <a:t>命令パイプライン</a:t>
             </a:r>
-            <a:endParaRPr lang="en-US" altLang="ja-JP" dirty="0"/>
+            <a:endParaRPr lang="en-US" altLang="ja-JP" sz="1800" dirty="0"/>
           </a:p>
           <a:p>
             <a:pPr lvl="1"/>
             <a:r>
-              <a:rPr lang="en-US" altLang="ja-JP" dirty="0">
+              <a:rPr lang="en-US" altLang="ja-JP" sz="1800" dirty="0">
                 <a:solidFill>
                   <a:schemeClr val="accent5"/>
                 </a:solidFill>
@@ -7070,7 +7041,7 @@
               <a:t>Out-of-order</a:t>
             </a:r>
             <a:r>
-              <a:rPr lang="ja-JP" altLang="en-US" dirty="0">
+              <a:rPr lang="ja-JP" altLang="en-US" sz="1800" dirty="0">
                 <a:solidFill>
                   <a:schemeClr val="accent5"/>
                 </a:solidFill>
@@ -7078,89 +7049,89 @@
               <a:t> スーパースカラ</a:t>
             </a:r>
             <a:r>
-              <a:rPr lang="ja-JP" altLang="en-US" dirty="0"/>
+              <a:rPr lang="ja-JP" altLang="en-US" sz="1800" dirty="0"/>
               <a:t>，</a:t>
             </a:r>
             <a:r>
-              <a:rPr lang="en-US" altLang="ja-JP" dirty="0"/>
+              <a:rPr lang="en-US" altLang="ja-JP" sz="1800" dirty="0"/>
               <a:t>VLIW</a:t>
             </a:r>
           </a:p>
           <a:p>
             <a:pPr lvl="1"/>
             <a:r>
-              <a:rPr lang="ja-JP" altLang="en-US" dirty="0"/>
+              <a:rPr lang="ja-JP" altLang="en-US" sz="1800" dirty="0"/>
               <a:t>投機実行，キャッシュ，プリフェッチ</a:t>
             </a:r>
-            <a:endParaRPr lang="en-US" altLang="ja-JP" dirty="0"/>
-          </a:p>
-          <a:p>
-            <a:r>
-              <a:rPr lang="ja-JP" altLang="en-US" dirty="0"/>
+            <a:endParaRPr lang="en-US" altLang="ja-JP" sz="1800" dirty="0"/>
+          </a:p>
+          <a:p>
+            <a:r>
+              <a:rPr lang="ja-JP" altLang="en-US" sz="1800" dirty="0"/>
               <a:t>その他のプロセッサや計算機</a:t>
             </a:r>
-            <a:endParaRPr lang="en-US" altLang="ja-JP" dirty="0"/>
+            <a:endParaRPr lang="en-US" altLang="ja-JP" sz="1800" dirty="0"/>
           </a:p>
           <a:p>
             <a:pPr lvl="1"/>
             <a:r>
-              <a:rPr lang="en-US" altLang="ja-JP" dirty="0"/>
+              <a:rPr lang="en-US" altLang="ja-JP" sz="1800" dirty="0"/>
               <a:t>GPU</a:t>
             </a:r>
             <a:r>
-              <a:rPr lang="ja-JP" altLang="en-US" dirty="0" err="1"/>
+              <a:rPr lang="ja-JP" altLang="en-US" sz="1800" dirty="0" err="1"/>
               <a:t>，</a:t>
             </a:r>
             <a:r>
-              <a:rPr lang="en-US" altLang="ja-JP" dirty="0"/>
+              <a:rPr lang="en-US" altLang="ja-JP" sz="1800" dirty="0"/>
               <a:t>FPGA</a:t>
             </a:r>
             <a:r>
-              <a:rPr lang="ja-JP" altLang="en-US" dirty="0" err="1"/>
-              <a:t>，</a:t>
-            </a:r>
-            <a:r>
-              <a:rPr lang="ja-JP" altLang="en-US" dirty="0"/>
-              <a:t>機械学習とかの専用プロセッサ</a:t>
-            </a:r>
-          </a:p>
-          <a:p>
-            <a:r>
-              <a:rPr lang="ja-JP" altLang="en-US" dirty="0"/>
+              <a:rPr lang="ja-JP" altLang="en-US" sz="1800" dirty="0"/>
+              <a:t>，機械学習とかの専用プロセッサ</a:t>
+            </a:r>
+            <a:endParaRPr lang="en-US" altLang="ja-JP" sz="1800" dirty="0"/>
+          </a:p>
+          <a:p>
+            <a:pPr lvl="1"/>
+            <a:r>
+              <a:rPr lang="ja-JP" altLang="en-US" sz="1800" dirty="0"/>
+              <a:t>プロセッサ以外のメモリ</a:t>
+            </a:r>
+          </a:p>
+          <a:p>
+            <a:r>
+              <a:rPr lang="ja-JP" altLang="en-US" sz="1800" dirty="0"/>
               <a:t>回路</a:t>
             </a:r>
-            <a:endParaRPr lang="en-US" altLang="ja-JP" dirty="0"/>
+            <a:endParaRPr lang="en-US" altLang="ja-JP" sz="1800" dirty="0"/>
           </a:p>
           <a:p>
             <a:pPr lvl="1"/>
             <a:r>
-              <a:rPr lang="ja-JP" altLang="en-US" dirty="0"/>
+              <a:rPr lang="ja-JP" altLang="en-US" sz="1800" dirty="0"/>
               <a:t>遅延，電力，熱</a:t>
             </a:r>
-            <a:endParaRPr lang="en-US" altLang="ja-JP" dirty="0"/>
-          </a:p>
-          <a:p>
-            <a:r>
-              <a:rPr kumimoji="1" lang="ja-JP" altLang="en-US" dirty="0"/>
+            <a:endParaRPr lang="en-US" altLang="ja-JP" sz="1800" dirty="0"/>
+          </a:p>
+          <a:p>
+            <a:r>
+              <a:rPr kumimoji="1" lang="ja-JP" altLang="en-US" sz="1800" dirty="0"/>
               <a:t>セキュリティ</a:t>
             </a:r>
-            <a:endParaRPr kumimoji="1" lang="en-US" altLang="ja-JP" dirty="0"/>
+            <a:endParaRPr kumimoji="1" lang="en-US" altLang="ja-JP" sz="1800" dirty="0"/>
           </a:p>
           <a:p>
             <a:pPr lvl="1"/>
             <a:r>
-              <a:rPr lang="en-US" altLang="ja-JP" dirty="0" err="1"/>
-              <a:t>Spectre</a:t>
-            </a:r>
-            <a:r>
-              <a:rPr lang="en-US" altLang="ja-JP" dirty="0"/>
-              <a:t>/Meltdown </a:t>
-            </a:r>
-            <a:r>
-              <a:rPr lang="ja-JP" altLang="en-US" dirty="0"/>
+              <a:rPr lang="en-US" altLang="ja-JP" sz="1800" dirty="0"/>
+              <a:t>Spectre/Meltdown </a:t>
+            </a:r>
+            <a:r>
+              <a:rPr lang="ja-JP" altLang="en-US" sz="1800" dirty="0"/>
               <a:t>などのアタック</a:t>
             </a:r>
-            <a:endParaRPr kumimoji="1" lang="ja-JP" altLang="en-US" dirty="0"/>
+            <a:endParaRPr kumimoji="1" lang="ja-JP" altLang="en-US" sz="1800" dirty="0"/>
           </a:p>
         </p:txBody>
       </p:sp>

--- a/aco-shioya-00.pptx
+++ b/aco-shioya-00.pptx
@@ -4712,7 +4712,7 @@
         </p:nvSpPr>
         <p:spPr>
           <a:xfrm>
-            <a:off x="341953" y="1088974"/>
+            <a:off x="341953" y="1178975"/>
             <a:ext cx="8532044" cy="5219751"/>
           </a:xfrm>
         </p:spPr>
@@ -4722,12 +4722,33 @@
           <a:p>
             <a:r>
               <a:rPr lang="ja-JP" altLang="en-US" sz="1800" dirty="0"/>
-              <a:t>出欠パスワード：</a:t>
+              <a:t>出欠</a:t>
+            </a:r>
+            <a:endParaRPr lang="en-US" altLang="ja-JP" sz="1800" dirty="0"/>
+          </a:p>
+          <a:p>
+            <a:pPr lvl="1"/>
+            <a:r>
+              <a:rPr lang="ja-JP" altLang="en-US" sz="1800" dirty="0"/>
+              <a:t>パスワード：</a:t>
             </a:r>
             <a:r>
               <a:rPr lang="en-US" altLang="ja-JP" sz="1800" dirty="0"/>
               <a:t>computer</a:t>
             </a:r>
+            <a:r>
+              <a:rPr lang="ja-JP" altLang="en-US" sz="1800" dirty="0"/>
+              <a:t>，本日</a:t>
+            </a:r>
+            <a:r>
+              <a:rPr lang="en-US" altLang="ja-JP" sz="1800" dirty="0"/>
+              <a:t>23</a:t>
+            </a:r>
+            <a:r>
+              <a:rPr lang="ja-JP" altLang="en-US" sz="1800" dirty="0"/>
+              <a:t>時まで</a:t>
+            </a:r>
+            <a:endParaRPr lang="en-US" altLang="ja-JP" sz="1800" dirty="0"/>
           </a:p>
           <a:p>
             <a:r>

--- a/aco-shioya-00.pptx
+++ b/aco-shioya-00.pptx
@@ -225,7 +225,7 @@
           <a:p>
             <a:fld id="{2ABE53D4-1A7B-4FFE-8A95-4265B045F058}" type="datetimeFigureOut">
               <a:rPr kumimoji="1" lang="ja-JP" altLang="en-US" smtClean="0"/>
-              <a:t>2022/4/11</a:t>
+              <a:t>2023/8/12</a:t>
             </a:fld>
             <a:endParaRPr kumimoji="1" lang="ja-JP" altLang="en-US"/>
           </a:p>
@@ -5220,7 +5220,7 @@
           <a:p>
             <a:r>
               <a:rPr kumimoji="1" lang="ja-JP" altLang="en-US" dirty="0"/>
-              <a:t>先端計算機構正論</a:t>
+              <a:t>先端計算機構成論</a:t>
             </a:r>
           </a:p>
         </p:txBody>
